--- a/example1.pptx
+++ b/example1.pptx
@@ -2820,7 +2820,7 @@
         <a:spcBef>
           <a:spcPct val="20000"/>
         </a:spcBef>
-        <a:buFont typeface="Arial"/>
+        <a:buFont typeface="Arial" panose="020B0604020202020204"/>
         <a:buChar char="•"/>
         <a:defRPr sz="3200" kern="1200">
           <a:solidFill>
@@ -2835,7 +2835,7 @@
         <a:spcBef>
           <a:spcPct val="20000"/>
         </a:spcBef>
-        <a:buFont typeface="Arial"/>
+        <a:buFont typeface="Arial" panose="020B0604020202020204"/>
         <a:buChar char="–"/>
         <a:defRPr sz="2800" kern="1200">
           <a:solidFill>
@@ -2850,7 +2850,7 @@
         <a:spcBef>
           <a:spcPct val="20000"/>
         </a:spcBef>
-        <a:buFont typeface="Arial"/>
+        <a:buFont typeface="Arial" panose="020B0604020202020204"/>
         <a:buChar char="•"/>
         <a:defRPr sz="2400" kern="1200">
           <a:solidFill>
@@ -2865,7 +2865,7 @@
         <a:spcBef>
           <a:spcPct val="20000"/>
         </a:spcBef>
-        <a:buFont typeface="Arial"/>
+        <a:buFont typeface="Arial" panose="020B0604020202020204"/>
         <a:buChar char="–"/>
         <a:defRPr sz="2000" kern="1200">
           <a:solidFill>
@@ -2880,7 +2880,7 @@
         <a:spcBef>
           <a:spcPct val="20000"/>
         </a:spcBef>
-        <a:buFont typeface="Arial"/>
+        <a:buFont typeface="Arial" panose="020B0604020202020204"/>
         <a:buChar char="»"/>
         <a:defRPr sz="2000" kern="1200">
           <a:solidFill>
@@ -2895,7 +2895,7 @@
         <a:spcBef>
           <a:spcPct val="20000"/>
         </a:spcBef>
-        <a:buFont typeface="Arial"/>
+        <a:buFont typeface="Arial" panose="020B0604020202020204"/>
         <a:buChar char="•"/>
         <a:defRPr sz="2000" kern="1200">
           <a:solidFill>
@@ -2910,7 +2910,7 @@
         <a:spcBef>
           <a:spcPct val="20000"/>
         </a:spcBef>
-        <a:buFont typeface="Arial"/>
+        <a:buFont typeface="Arial" panose="020B0604020202020204"/>
         <a:buChar char="•"/>
         <a:defRPr sz="2000" kern="1200">
           <a:solidFill>
@@ -2925,7 +2925,7 @@
         <a:spcBef>
           <a:spcPct val="20000"/>
         </a:spcBef>
-        <a:buFont typeface="Arial"/>
+        <a:buFont typeface="Arial" panose="020B0604020202020204"/>
         <a:buChar char="•"/>
         <a:defRPr sz="2000" kern="1200">
           <a:solidFill>
@@ -2940,7 +2940,7 @@
         <a:spcBef>
           <a:spcPct val="20000"/>
         </a:spcBef>
-        <a:buFont typeface="Arial"/>
+        <a:buFont typeface="Arial" panose="020B0604020202020204"/>
         <a:buChar char="•"/>
         <a:defRPr sz="2000" kern="1200">
           <a:solidFill>
@@ -3063,6 +3063,134 @@
       <p:grpSpPr/>
       <p:sp>
         <p:nvSpPr>
+          <p:cNvPr id="5" name="文本框 4"/>
+          <p:cNvSpPr txBox="1"/>
+          <p:nvPr/>
+        </p:nvSpPr>
+        <p:spPr>
+          <a:xfrm>
+            <a:off x="721995" y="3289935"/>
+            <a:ext cx="3048000" cy="368300"/>
+          </a:xfrm>
+          <a:prstGeom prst="rect">
+            <a:avLst/>
+          </a:prstGeom>
+          <a:noFill/>
+        </p:spPr>
+        <p:txBody>
+          <a:bodyPr wrap="square" rtlCol="0">
+            <a:spAutoFit/>
+          </a:bodyPr>
+          <a:p>
+            <a:r>
+              <a:rPr lang="en-US" altLang="zh-CN"/>
+              <a:t>1234445454</a:t>
+            </a:r>
+            <a:endParaRPr lang="en-US" altLang="zh-CN"/>
+          </a:p>
+        </p:txBody>
+      </p:sp>
+      <p:sp>
+        <p:nvSpPr>
+          <p:cNvPr id="10" name="矩形 9"/>
+          <p:cNvSpPr/>
+          <p:nvPr/>
+        </p:nvSpPr>
+        <p:spPr>
+          <a:xfrm>
+            <a:off x="1296072" y="3228578"/>
+            <a:ext cx="5638127" cy="403273"/>
+          </a:xfrm>
+          <a:prstGeom prst="rect">
+            <a:avLst/>
+          </a:prstGeom>
+          <a:solidFill>
+            <a:srgbClr val="ED7D31">
+              <a:lumMod val="20000"/>
+              <a:lumOff val="80000"/>
+            </a:srgbClr>
+          </a:solidFill>
+          <a:ln w="12700" cap="flat" cmpd="sng" algn="ctr">
+            <a:solidFill>
+              <a:srgbClr val="4472C4">
+                <a:shade val="50000"/>
+              </a:srgbClr>
+            </a:solidFill>
+            <a:prstDash val="solid"/>
+            <a:miter lim="800000"/>
+          </a:ln>
+          <a:effectLst/>
+        </p:spPr>
+        <p:txBody>
+          <a:bodyPr rtlCol="0" anchor="ctr"/>
+          <a:lstStyle/>
+          <a:p>
+            <a:r>
+              <a:rPr lang="en-US" altLang="ja-JP" dirty="0">
+                <a:solidFill>
+                  <a:sysClr val="windowText" lastClr="000000"/>
+                </a:solidFill>
+                <a:latin typeface="Meiryo UI" charset="0"/>
+                <a:ea typeface="Meiryo UI" charset="0"/>
+              </a:rPr>
+              <a:t>2. </a:t>
+            </a:r>
+            <a:r>
+              <a:rPr lang="ja-JP" altLang="en-US" dirty="0">
+                <a:solidFill>
+                  <a:sysClr val="windowText" lastClr="000000"/>
+                </a:solidFill>
+                <a:latin typeface="Meiryo UI" charset="0"/>
+                <a:ea typeface="Meiryo UI" charset="0"/>
+                <a:sym typeface="Meiryo UI" charset="0"/>
+              </a:rPr>
+              <a:t>コード</a:t>
+            </a:r>
+            <a:r>
+              <a:rPr lang="zh-CN" altLang="en-US" dirty="0">
+                <a:solidFill>
+                  <a:sysClr val="windowText" lastClr="000000"/>
+                </a:solidFill>
+                <a:latin typeface="Meiryo UI" charset="0"/>
+                <a:ea typeface="Meiryo UI" charset="0"/>
+                <a:sym typeface="Meiryo UI" charset="0"/>
+              </a:rPr>
+              <a:t>審査</a:t>
+            </a:r>
+            <a:r>
+              <a:rPr lang="en-US" altLang="ja-JP" dirty="0">
+                <a:solidFill>
+                  <a:sysClr val="windowText" lastClr="000000"/>
+                </a:solidFill>
+                <a:latin typeface="Meiryo UI" charset="0"/>
+                <a:ea typeface="Meiryo UI" charset="0"/>
+                <a:sym typeface="Meiryo UI" charset="0"/>
+              </a:rPr>
+              <a:t>AI</a:t>
+            </a:r>
+            <a:r>
+              <a:rPr lang="ja-JP" altLang="en-US" dirty="0">
+                <a:solidFill>
+                  <a:sysClr val="windowText" lastClr="000000"/>
+                </a:solidFill>
+                <a:latin typeface="Meiryo UI" charset="0"/>
+                <a:ea typeface="Meiryo UI" charset="0"/>
+                <a:sym typeface="Meiryo UI" charset="0"/>
+              </a:rPr>
+              <a:t>ツールの効果確認</a:t>
+            </a:r>
+            <a:endParaRPr lang="zh-CN" altLang="en-US" dirty="0">
+              <a:solidFill>
+                <a:sysClr val="windowText" lastClr="000000"/>
+              </a:solidFill>
+              <a:latin typeface="Meiryo UI" charset="0"/>
+              <a:ea typeface="Meiryo UI" charset="0"/>
+            </a:endParaRPr>
+          </a:p>
+        </p:txBody>
+      </p:sp>
+      <p:sp>
+        <p:nvSpPr>
           <p:cNvPr id="2" name="Title 1"/>
           <p:cNvSpPr>
             <a:spLocks noGrp="1"/>
@@ -3085,10 +3213,14 @@
           <a:p>
             <a:pPr algn="l"/>
             <a:r>
-              <a:rPr lang="zh-CN" altLang="en-US" sz="2400"/>
+              <a:rPr lang="zh-CN" altLang="en-US" sz="2400">
+                <a:latin typeface="+mj-ea"/>
+              </a:rPr>
               <a:t>标题示例</a:t>
             </a:r>
-            <a:endParaRPr lang="zh-CN" altLang="en-US" sz="2400"/>
+            <a:endParaRPr lang="zh-CN" altLang="en-US" sz="2400">
+              <a:latin typeface="+mj-ea"/>
+            </a:endParaRPr>
           </a:p>
         </p:txBody>
       </p:sp>
@@ -3116,7 +3248,7 @@
           <a:p>
             <a:r>
               <a:rPr sz="1600">
-                <a:latin typeface="微软雅黑"/>
+                <a:latin typeface="微软雅黑" panose="020B0503020204020204" charset="-122"/>
               </a:rPr>
               <a:t>项目简介：</a:t>
             </a:r>
@@ -3125,13 +3257,13 @@
                 <a:solidFill>
                   <a:srgbClr val="FF0000"/>
                 </a:solidFill>
-                <a:latin typeface="微软雅黑"/>
+                <a:latin typeface="微软雅黑" panose="020B0503020204020204" charset="-122"/>
               </a:rPr>
               <a:t>该页用</a:t>
             </a:r>
             <a:r>
               <a:rPr sz="1200">
-                <a:latin typeface="微软雅黑"/>
+                <a:latin typeface="微软雅黑" panose="020B0503020204020204" charset="-122"/>
               </a:rPr>
               <a:t>于</a:t>
             </a:r>
@@ -3140,7 +3272,7 @@
                 <a:solidFill>
                   <a:schemeClr val="accent3"/>
                 </a:solidFill>
-                <a:latin typeface="微软雅黑"/>
+                <a:latin typeface="微软雅黑" panose="020B0503020204020204" charset="-122"/>
               </a:rPr>
               <a:t>解析</a:t>
             </a:r>
@@ -3159,12 +3291,12 @@
             </a:r>
             <a:r>
               <a:rPr sz="1200">
-                <a:latin typeface="微软雅黑"/>
+                <a:latin typeface="微软雅黑" panose="020B0503020204020204" charset="-122"/>
               </a:rPr>
               <a:t>。</a:t>
             </a:r>
             <a:endParaRPr sz="1200">
-              <a:latin typeface="微软雅黑"/>
+              <a:latin typeface="微软雅黑" panose="020B0503020204020204" charset="-122"/>
             </a:endParaRPr>
           </a:p>
           <a:p>
@@ -3180,35 +3312,6 @@
               <a:latin typeface="汉仪叶叶相思体简" panose="02010509060101010101" charset="-122"/>
               <a:ea typeface="汉仪叶叶相思体简" panose="02010509060101010101" charset="-122"/>
             </a:endParaRPr>
-          </a:p>
-        </p:txBody>
-      </p:sp>
-      <p:sp>
-        <p:nvSpPr>
-          <p:cNvPr id="5" name="文本框 4"/>
-          <p:cNvSpPr txBox="1"/>
-          <p:nvPr/>
-        </p:nvSpPr>
-        <p:spPr>
-          <a:xfrm>
-            <a:off x="721995" y="3289935"/>
-            <a:ext cx="3048000" cy="368300"/>
-          </a:xfrm>
-          <a:prstGeom prst="rect">
-            <a:avLst/>
-          </a:prstGeom>
-          <a:noFill/>
-        </p:spPr>
-        <p:txBody>
-          <a:bodyPr wrap="square" rtlCol="0">
-            <a:spAutoFit/>
-          </a:bodyPr>
-          <a:p>
-            <a:r>
-              <a:rPr lang="en-US" altLang="zh-CN"/>
-              <a:t>1234445454</a:t>
-            </a:r>
-            <a:endParaRPr lang="en-US" altLang="zh-CN"/>
           </a:p>
         </p:txBody>
       </p:sp>
@@ -3314,204 +3417,6 @@
       </p:sp>
       <p:sp>
         <p:nvSpPr>
-          <p:cNvPr id="10" name="矩形 9"/>
-          <p:cNvSpPr/>
-          <p:nvPr/>
-        </p:nvSpPr>
-        <p:spPr>
-          <a:xfrm>
-            <a:off x="3385222" y="3120628"/>
-            <a:ext cx="5638127" cy="403273"/>
-          </a:xfrm>
-          <a:prstGeom prst="rect">
-            <a:avLst/>
-          </a:prstGeom>
-          <a:solidFill>
-            <a:srgbClr val="ED7D31">
-              <a:lumMod val="20000"/>
-              <a:lumOff val="80000"/>
-            </a:srgbClr>
-          </a:solidFill>
-          <a:ln w="12700" cap="flat" cmpd="sng" algn="ctr">
-            <a:solidFill>
-              <a:srgbClr val="4472C4">
-                <a:shade val="50000"/>
-              </a:srgbClr>
-            </a:solidFill>
-            <a:prstDash val="solid"/>
-            <a:miter lim="800000"/>
-          </a:ln>
-          <a:effectLst/>
-        </p:spPr>
-        <p:txBody>
-          <a:bodyPr rtlCol="0" anchor="ctr"/>
-          <a:lstStyle/>
-          <a:p>
-            <a:r>
-              <a:rPr lang="en-US" altLang="ja-JP" dirty="0">
-                <a:solidFill>
-                  <a:sysClr val="windowText" lastClr="000000"/>
-                </a:solidFill>
-                <a:latin typeface="Meiryo UI" charset="0"/>
-                <a:ea typeface="Meiryo UI" charset="0"/>
-              </a:rPr>
-              <a:t>2. </a:t>
-            </a:r>
-            <a:r>
-              <a:rPr lang="ja-JP" altLang="en-US" dirty="0">
-                <a:solidFill>
-                  <a:sysClr val="windowText" lastClr="000000"/>
-                </a:solidFill>
-                <a:latin typeface="Meiryo UI" charset="0"/>
-                <a:ea typeface="Meiryo UI" charset="0"/>
-                <a:sym typeface="Meiryo UI" charset="0"/>
-              </a:rPr>
-              <a:t>コード</a:t>
-            </a:r>
-            <a:r>
-              <a:rPr lang="zh-CN" altLang="en-US" dirty="0">
-                <a:solidFill>
-                  <a:sysClr val="windowText" lastClr="000000"/>
-                </a:solidFill>
-                <a:latin typeface="Meiryo UI" charset="0"/>
-                <a:ea typeface="Meiryo UI" charset="0"/>
-                <a:sym typeface="Meiryo UI" charset="0"/>
-              </a:rPr>
-              <a:t>審査</a:t>
-            </a:r>
-            <a:r>
-              <a:rPr lang="en-US" altLang="ja-JP" dirty="0">
-                <a:solidFill>
-                  <a:sysClr val="windowText" lastClr="000000"/>
-                </a:solidFill>
-                <a:latin typeface="Meiryo UI" charset="0"/>
-                <a:ea typeface="Meiryo UI" charset="0"/>
-                <a:sym typeface="Meiryo UI" charset="0"/>
-              </a:rPr>
-              <a:t>AI</a:t>
-            </a:r>
-            <a:r>
-              <a:rPr lang="ja-JP" altLang="en-US" dirty="0">
-                <a:solidFill>
-                  <a:sysClr val="windowText" lastClr="000000"/>
-                </a:solidFill>
-                <a:latin typeface="Meiryo UI" charset="0"/>
-                <a:ea typeface="Meiryo UI" charset="0"/>
-                <a:sym typeface="Meiryo UI" charset="0"/>
-              </a:rPr>
-              <a:t>ツールの効果確認</a:t>
-            </a:r>
-            <a:endParaRPr lang="zh-CN" altLang="en-US" dirty="0">
-              <a:solidFill>
-                <a:sysClr val="windowText" lastClr="000000"/>
-              </a:solidFill>
-              <a:latin typeface="Meiryo UI" charset="0"/>
-              <a:ea typeface="Meiryo UI" charset="0"/>
-            </a:endParaRPr>
-          </a:p>
-        </p:txBody>
-      </p:sp>
-      <p:sp>
-        <p:nvSpPr>
-          <p:cNvPr id="11" name="矩形 10"/>
-          <p:cNvSpPr/>
-          <p:nvPr/>
-        </p:nvSpPr>
-        <p:spPr>
-          <a:xfrm>
-            <a:off x="3385221" y="3806746"/>
-            <a:ext cx="5638127" cy="403273"/>
-          </a:xfrm>
-          <a:prstGeom prst="rect">
-            <a:avLst/>
-          </a:prstGeom>
-          <a:solidFill>
-            <a:srgbClr val="ED7D31">
-              <a:lumMod val="20000"/>
-              <a:lumOff val="80000"/>
-            </a:srgbClr>
-          </a:solidFill>
-          <a:ln w="12700" cap="flat" cmpd="sng" algn="ctr">
-            <a:solidFill>
-              <a:srgbClr val="4472C4">
-                <a:shade val="50000"/>
-              </a:srgbClr>
-            </a:solidFill>
-            <a:prstDash val="solid"/>
-            <a:miter lim="800000"/>
-          </a:ln>
-          <a:effectLst/>
-        </p:spPr>
-        <p:txBody>
-          <a:bodyPr rtlCol="0" anchor="ctr"/>
-          <a:lstStyle/>
-          <a:p>
-            <a:r>
-              <a:rPr lang="en-US" altLang="ja-JP" dirty="0">
-                <a:solidFill>
-                  <a:sysClr val="windowText" lastClr="000000"/>
-                </a:solidFill>
-                <a:latin typeface="Meiryo UI" charset="0"/>
-                <a:ea typeface="Meiryo UI" charset="0"/>
-              </a:rPr>
-              <a:t>3. </a:t>
-            </a:r>
-            <a:r>
-              <a:rPr lang="ja-JP" altLang="en-US" dirty="0">
-                <a:solidFill>
-                  <a:sysClr val="windowText" lastClr="000000"/>
-                </a:solidFill>
-                <a:latin typeface="Meiryo UI" charset="0"/>
-                <a:ea typeface="Meiryo UI" charset="0"/>
-                <a:sym typeface="Meiryo UI" charset="0"/>
-              </a:rPr>
-              <a:t>コード</a:t>
-            </a:r>
-            <a:r>
-              <a:rPr lang="zh-CN" altLang="en-US" dirty="0">
-                <a:solidFill>
-                  <a:sysClr val="windowText" lastClr="000000"/>
-                </a:solidFill>
-                <a:latin typeface="Meiryo UI" charset="0"/>
-                <a:ea typeface="Meiryo UI" charset="0"/>
-                <a:sym typeface="Meiryo UI" charset="0"/>
-              </a:rPr>
-              <a:t>審査</a:t>
-            </a:r>
-            <a:r>
-              <a:rPr lang="en-US" altLang="ja-JP" dirty="0">
-                <a:solidFill>
-                  <a:sysClr val="windowText" lastClr="000000"/>
-                </a:solidFill>
-                <a:latin typeface="Meiryo UI" charset="0"/>
-                <a:ea typeface="Meiryo UI" charset="0"/>
-                <a:sym typeface="Meiryo UI" charset="0"/>
-              </a:rPr>
-              <a:t>AI</a:t>
-            </a:r>
-            <a:r>
-              <a:rPr lang="ja-JP" altLang="en-US" dirty="0">
-                <a:solidFill>
-                  <a:sysClr val="windowText" lastClr="000000"/>
-                </a:solidFill>
-                <a:latin typeface="Meiryo UI" charset="0"/>
-                <a:ea typeface="Meiryo UI" charset="0"/>
-                <a:sym typeface="Meiryo UI" charset="0"/>
-              </a:rPr>
-              <a:t>ツールのシステム構成</a:t>
-            </a:r>
-            <a:endParaRPr lang="zh-CN" altLang="en-US" dirty="0">
-              <a:solidFill>
-                <a:sysClr val="windowText" lastClr="000000"/>
-              </a:solidFill>
-              <a:latin typeface="Meiryo UI" charset="0"/>
-              <a:ea typeface="Meiryo UI" charset="0"/>
-            </a:endParaRPr>
-          </a:p>
-        </p:txBody>
-      </p:sp>
-      <p:sp>
-        <p:nvSpPr>
           <p:cNvPr id="12" name="矩形 11"/>
           <p:cNvSpPr/>
           <p:nvPr/>
@@ -3598,6 +3503,105 @@
                 <a:sym typeface="Meiryo UI" charset="0"/>
               </a:rPr>
               <a:t>ツールのご利用のビジネスモデル</a:t>
+            </a:r>
+            <a:endParaRPr lang="zh-CN" altLang="en-US" dirty="0">
+              <a:solidFill>
+                <a:sysClr val="windowText" lastClr="000000"/>
+              </a:solidFill>
+              <a:latin typeface="Meiryo UI" charset="0"/>
+              <a:ea typeface="Meiryo UI" charset="0"/>
+            </a:endParaRPr>
+          </a:p>
+        </p:txBody>
+      </p:sp>
+      <p:sp>
+        <p:nvSpPr>
+          <p:cNvPr id="11" name="矩形 10"/>
+          <p:cNvSpPr/>
+          <p:nvPr/>
+        </p:nvSpPr>
+        <p:spPr>
+          <a:xfrm>
+            <a:off x="2935641" y="3075861"/>
+            <a:ext cx="5638127" cy="403273"/>
+          </a:xfrm>
+          <a:prstGeom prst="rect">
+            <a:avLst/>
+          </a:prstGeom>
+          <a:solidFill>
+            <a:srgbClr val="ED7D31">
+              <a:lumMod val="20000"/>
+              <a:lumOff val="80000"/>
+            </a:srgbClr>
+          </a:solidFill>
+          <a:ln w="12700" cap="flat" cmpd="sng" algn="ctr">
+            <a:solidFill>
+              <a:srgbClr val="4472C4">
+                <a:shade val="50000"/>
+              </a:srgbClr>
+            </a:solidFill>
+            <a:prstDash val="solid"/>
+            <a:miter lim="800000"/>
+          </a:ln>
+          <a:effectLst/>
+        </p:spPr>
+        <p:txBody>
+          <a:bodyPr rtlCol="0" anchor="ctr"/>
+          <a:lstStyle/>
+          <a:p>
+            <a:r>
+              <a:rPr lang="en-US" altLang="ja-JP" dirty="0">
+                <a:solidFill>
+                  <a:sysClr val="windowText" lastClr="000000"/>
+                </a:solidFill>
+                <a:latin typeface="Meiryo UI" charset="0"/>
+                <a:ea typeface="Meiryo UI" charset="0"/>
+              </a:rPr>
+              <a:t>3. </a:t>
+            </a:r>
+            <a:r>
+              <a:rPr lang="ja-JP" altLang="en-US" dirty="0">
+                <a:solidFill>
+                  <a:sysClr val="windowText" lastClr="000000"/>
+                </a:solidFill>
+                <a:latin typeface="Meiryo UI" charset="0"/>
+                <a:ea typeface="Meiryo UI" charset="0"/>
+                <a:sym typeface="Meiryo UI" charset="0"/>
+              </a:rPr>
+              <a:t>コード</a:t>
+            </a:r>
+            <a:r>
+              <a:rPr lang="zh-CN" altLang="en-US" dirty="0">
+                <a:solidFill>
+                  <a:sysClr val="windowText" lastClr="000000"/>
+                </a:solidFill>
+                <a:latin typeface="Meiryo UI" charset="0"/>
+                <a:ea typeface="Meiryo UI" charset="0"/>
+                <a:sym typeface="Meiryo UI" charset="0"/>
+              </a:rPr>
+              <a:t>審査</a:t>
+            </a:r>
+            <a:r>
+              <a:rPr lang="en-US" altLang="ja-JP" dirty="0">
+                <a:solidFill>
+                  <a:sysClr val="windowText" lastClr="000000"/>
+                </a:solidFill>
+                <a:latin typeface="Meiryo UI" charset="0"/>
+                <a:ea typeface="Meiryo UI" charset="0"/>
+                <a:sym typeface="Meiryo UI" charset="0"/>
+              </a:rPr>
+              <a:t>AI</a:t>
+            </a:r>
+            <a:r>
+              <a:rPr lang="ja-JP" altLang="en-US" dirty="0">
+                <a:solidFill>
+                  <a:sysClr val="windowText" lastClr="000000"/>
+                </a:solidFill>
+                <a:latin typeface="Meiryo UI" charset="0"/>
+                <a:ea typeface="Meiryo UI" charset="0"/>
+                <a:sym typeface="Meiryo UI" charset="0"/>
+              </a:rPr>
+              <a:t>ツールのシステム構成</a:t>
             </a:r>
             <a:endParaRPr lang="zh-CN" altLang="en-US" dirty="0">
               <a:solidFill>

--- a/example1.pptx
+++ b/example1.pptx
@@ -4,8 +4,12 @@
   <p:sldMasterIdLst>
     <p:sldMasterId id="2147483648" r:id="rId1"/>
   </p:sldMasterIdLst>
+  <p:notesMasterIdLst>
+    <p:notesMasterId r:id="rId5"/>
+  </p:notesMasterIdLst>
   <p:sldIdLst>
     <p:sldId id="256" r:id="rId3"/>
+    <p:sldId id="257" r:id="rId4"/>
   </p:sldIdLst>
   <p:sldSz cx="9144000" cy="6858000" type="screen4x3"/>
   <p:notesSz cx="6858000" cy="9144000"/>
@@ -107,7 +111,7 @@
   <p:extLst>
     <p:ext uri="{EFAFB233-063F-42B5-8137-9DF3F51BA10A}">
       <p15:sldGuideLst xmlns:p15="http://schemas.microsoft.com/office/powerpoint/2012/main">
-        <p15:guide id="1" orient="horz" pos="2188" userDrawn="1">
+        <p15:guide id="1" orient="horz" pos="2184" userDrawn="1">
           <p15:clr>
             <a:srgbClr val="A4A3A4"/>
           </p15:clr>
@@ -121,6 +125,433 @@
     </p:ext>
   </p:extLst>
 </p:presentation>
+</file>
+
+<file path=ppt/commentAuthors.xml><?xml version="1.0" encoding="utf-8"?>
+<p:cmAuthorLst xmlns:a="http://schemas.openxmlformats.org/drawingml/2006/main" xmlns:r="http://schemas.openxmlformats.org/officeDocument/2006/relationships" xmlns:p="http://schemas.openxmlformats.org/presentationml/2006/main">
+  <p:cmAuthor id="1" name="Eda Kenshi [Automotive Manufacturing Business Dept. No.1]" initials="EK[MBDN" lastIdx="0" clrIdx="0"/>
+  <p:cmAuthor id="2" name="Administrator" initials="A" lastIdx="0" clrIdx="1"/>
+</p:cmAuthorLst>
+</file>
+
+<file path=ppt/notesMasters/notesMaster1.xml><?xml version="1.0" encoding="utf-8"?>
+<p:notesMaster xmlns:a="http://schemas.openxmlformats.org/drawingml/2006/main" xmlns:r="http://schemas.openxmlformats.org/officeDocument/2006/relationships" xmlns:p="http://schemas.openxmlformats.org/presentationml/2006/main">
+  <p:cSld>
+    <p:bg>
+      <p:bgRef idx="1001">
+        <a:schemeClr val="bg1"/>
+      </p:bgRef>
+    </p:bg>
+    <p:spTree>
+      <p:nvGrpSpPr>
+        <p:cNvPr id="1" name=""/>
+        <p:cNvGrpSpPr/>
+        <p:nvPr/>
+      </p:nvGrpSpPr>
+      <p:grpSpPr>
+        <a:xfrm>
+          <a:off x="0" y="0"/>
+          <a:ext cx="0" cy="0"/>
+          <a:chOff x="0" y="0"/>
+          <a:chExt cx="0" cy="0"/>
+        </a:xfrm>
+      </p:grpSpPr>
+      <p:sp>
+        <p:nvSpPr>
+          <p:cNvPr id="2" name="页眉占位符 1"/>
+          <p:cNvSpPr>
+            <a:spLocks noGrp="1"/>
+          </p:cNvSpPr>
+          <p:nvPr>
+            <p:ph type="hdr" sz="quarter"/>
+          </p:nvPr>
+        </p:nvSpPr>
+        <p:spPr>
+          <a:xfrm>
+            <a:off x="0" y="0"/>
+            <a:ext cx="2971800" cy="458788"/>
+          </a:xfrm>
+          <a:prstGeom prst="rect">
+            <a:avLst/>
+          </a:prstGeom>
+        </p:spPr>
+        <p:txBody>
+          <a:bodyPr vert="horz" lIns="91440" tIns="45720" rIns="91440" bIns="45720" rtlCol="0"/>
+          <a:lstStyle>
+            <a:lvl1pPr algn="l">
+              <a:defRPr sz="1200"/>
+            </a:lvl1pPr>
+          </a:lstStyle>
+          <a:p>
+            <a:endParaRPr lang="zh-CN" altLang="en-US"/>
+          </a:p>
+        </p:txBody>
+      </p:sp>
+      <p:sp>
+        <p:nvSpPr>
+          <p:cNvPr id="3" name="日期占位符 2"/>
+          <p:cNvSpPr>
+            <a:spLocks noGrp="1"/>
+          </p:cNvSpPr>
+          <p:nvPr>
+            <p:ph type="dt" idx="1"/>
+          </p:nvPr>
+        </p:nvSpPr>
+        <p:spPr>
+          <a:xfrm>
+            <a:off x="3884613" y="0"/>
+            <a:ext cx="2971800" cy="458788"/>
+          </a:xfrm>
+          <a:prstGeom prst="rect">
+            <a:avLst/>
+          </a:prstGeom>
+        </p:spPr>
+        <p:txBody>
+          <a:bodyPr vert="horz" lIns="91440" tIns="45720" rIns="91440" bIns="45720" rtlCol="0"/>
+          <a:lstStyle>
+            <a:lvl1pPr algn="r">
+              <a:defRPr sz="1200"/>
+            </a:lvl1pPr>
+          </a:lstStyle>
+          <a:p>
+            <a:fld id="{D2A48B96-639E-45A3-A0BA-2464DFDB1FAA}" type="datetimeFigureOut">
+              <a:rPr lang="zh-CN" altLang="en-US" smtClean="0"/>
+            </a:fld>
+            <a:endParaRPr lang="zh-CN" altLang="en-US"/>
+          </a:p>
+        </p:txBody>
+      </p:sp>
+      <p:sp>
+        <p:nvSpPr>
+          <p:cNvPr id="4" name="幻灯片图像占位符 3"/>
+          <p:cNvSpPr>
+            <a:spLocks noGrp="1" noRot="1" noChangeAspect="1"/>
+          </p:cNvSpPr>
+          <p:nvPr>
+            <p:ph type="sldImg" idx="2"/>
+          </p:nvPr>
+        </p:nvSpPr>
+        <p:spPr>
+          <a:xfrm>
+            <a:off x="1371600" y="1143000"/>
+            <a:ext cx="4114800" cy="3086100"/>
+          </a:xfrm>
+          <a:prstGeom prst="rect">
+            <a:avLst/>
+          </a:prstGeom>
+          <a:noFill/>
+          <a:ln w="12700">
+            <a:solidFill>
+              <a:prstClr val="black"/>
+            </a:solidFill>
+          </a:ln>
+        </p:spPr>
+        <p:txBody>
+          <a:bodyPr vert="horz" lIns="91440" tIns="45720" rIns="91440" bIns="45720" rtlCol="0" anchor="ctr"/>
+          <a:lstStyle/>
+          <a:p>
+            <a:endParaRPr lang="zh-CN" altLang="en-US"/>
+          </a:p>
+        </p:txBody>
+      </p:sp>
+      <p:sp>
+        <p:nvSpPr>
+          <p:cNvPr id="5" name="备注占位符 4"/>
+          <p:cNvSpPr>
+            <a:spLocks noGrp="1"/>
+          </p:cNvSpPr>
+          <p:nvPr>
+            <p:ph type="body" sz="quarter" idx="3"/>
+          </p:nvPr>
+        </p:nvSpPr>
+        <p:spPr>
+          <a:xfrm>
+            <a:off x="685800" y="4400550"/>
+            <a:ext cx="5486400" cy="3600450"/>
+          </a:xfrm>
+          <a:prstGeom prst="rect">
+            <a:avLst/>
+          </a:prstGeom>
+        </p:spPr>
+        <p:txBody>
+          <a:bodyPr vert="horz" lIns="91440" tIns="45720" rIns="91440" bIns="45720" rtlCol="0"/>
+          <a:lstStyle/>
+          <a:p>
+            <a:pPr lvl="0"/>
+            <a:r>
+              <a:rPr lang="zh-CN" altLang="en-US" smtClean="0"/>
+              <a:t>单击此处编辑母版文本样式</a:t>
+            </a:r>
+            <a:endParaRPr lang="zh-CN" altLang="en-US" smtClean="0"/>
+          </a:p>
+          <a:p>
+            <a:pPr lvl="1"/>
+            <a:r>
+              <a:rPr lang="zh-CN" altLang="en-US" smtClean="0"/>
+              <a:t>第二级</a:t>
+            </a:r>
+            <a:endParaRPr lang="zh-CN" altLang="en-US" smtClean="0"/>
+          </a:p>
+          <a:p>
+            <a:pPr lvl="2"/>
+            <a:r>
+              <a:rPr lang="zh-CN" altLang="en-US" smtClean="0"/>
+              <a:t>第三级</a:t>
+            </a:r>
+            <a:endParaRPr lang="zh-CN" altLang="en-US" smtClean="0"/>
+          </a:p>
+          <a:p>
+            <a:pPr lvl="3"/>
+            <a:r>
+              <a:rPr lang="zh-CN" altLang="en-US" smtClean="0"/>
+              <a:t>第四级</a:t>
+            </a:r>
+            <a:endParaRPr lang="zh-CN" altLang="en-US" smtClean="0"/>
+          </a:p>
+          <a:p>
+            <a:pPr lvl="4"/>
+            <a:r>
+              <a:rPr lang="zh-CN" altLang="en-US" smtClean="0"/>
+              <a:t>第五级</a:t>
+            </a:r>
+            <a:endParaRPr lang="zh-CN" altLang="en-US"/>
+          </a:p>
+        </p:txBody>
+      </p:sp>
+      <p:sp>
+        <p:nvSpPr>
+          <p:cNvPr id="6" name="页脚占位符 5"/>
+          <p:cNvSpPr>
+            <a:spLocks noGrp="1"/>
+          </p:cNvSpPr>
+          <p:nvPr>
+            <p:ph type="ftr" sz="quarter" idx="4"/>
+          </p:nvPr>
+        </p:nvSpPr>
+        <p:spPr>
+          <a:xfrm>
+            <a:off x="0" y="8685213"/>
+            <a:ext cx="2971800" cy="458787"/>
+          </a:xfrm>
+          <a:prstGeom prst="rect">
+            <a:avLst/>
+          </a:prstGeom>
+        </p:spPr>
+        <p:txBody>
+          <a:bodyPr vert="horz" lIns="91440" tIns="45720" rIns="91440" bIns="45720" rtlCol="0" anchor="b"/>
+          <a:lstStyle>
+            <a:lvl1pPr algn="l">
+              <a:defRPr sz="1200"/>
+            </a:lvl1pPr>
+          </a:lstStyle>
+          <a:p>
+            <a:endParaRPr lang="zh-CN" altLang="en-US"/>
+          </a:p>
+        </p:txBody>
+      </p:sp>
+      <p:sp>
+        <p:nvSpPr>
+          <p:cNvPr id="7" name="灯片编号占位符 6"/>
+          <p:cNvSpPr>
+            <a:spLocks noGrp="1"/>
+          </p:cNvSpPr>
+          <p:nvPr>
+            <p:ph type="sldNum" sz="quarter" idx="5"/>
+          </p:nvPr>
+        </p:nvSpPr>
+        <p:spPr>
+          <a:xfrm>
+            <a:off x="3884613" y="8685213"/>
+            <a:ext cx="2971800" cy="458787"/>
+          </a:xfrm>
+          <a:prstGeom prst="rect">
+            <a:avLst/>
+          </a:prstGeom>
+        </p:spPr>
+        <p:txBody>
+          <a:bodyPr vert="horz" lIns="91440" tIns="45720" rIns="91440" bIns="45720" rtlCol="0" anchor="b"/>
+          <a:lstStyle>
+            <a:lvl1pPr algn="r">
+              <a:defRPr sz="1200"/>
+            </a:lvl1pPr>
+          </a:lstStyle>
+          <a:p>
+            <a:fld id="{A6837353-30EB-4A48-80EB-173D804AEFBD}" type="slidenum">
+              <a:rPr lang="zh-CN" altLang="en-US" smtClean="0"/>
+            </a:fld>
+            <a:endParaRPr lang="zh-CN" altLang="en-US"/>
+          </a:p>
+        </p:txBody>
+      </p:sp>
+    </p:spTree>
+  </p:cSld>
+  <p:clrMap bg1="lt1" tx1="dk1" bg2="lt2" tx2="dk2" accent1="accent1" accent2="accent2" accent3="accent3" accent4="accent4" accent5="accent5" accent6="accent6" hlink="hlink" folHlink="folHlink"/>
+  <p:notesStyle>
+    <a:lvl1pPr marL="0" algn="l" defTabSz="914400" rtl="0" eaLnBrk="1" latinLnBrk="0" hangingPunct="1">
+      <a:defRPr sz="1200" kern="1200">
+        <a:solidFill>
+          <a:schemeClr val="tx1"/>
+        </a:solidFill>
+        <a:latin typeface="+mn-lt"/>
+        <a:ea typeface="+mn-ea"/>
+        <a:cs typeface="+mn-cs"/>
+      </a:defRPr>
+    </a:lvl1pPr>
+    <a:lvl2pPr marL="457200" algn="l" defTabSz="914400" rtl="0" eaLnBrk="1" latinLnBrk="0" hangingPunct="1">
+      <a:defRPr sz="1200" kern="1200">
+        <a:solidFill>
+          <a:schemeClr val="tx1"/>
+        </a:solidFill>
+        <a:latin typeface="+mn-lt"/>
+        <a:ea typeface="+mn-ea"/>
+        <a:cs typeface="+mn-cs"/>
+      </a:defRPr>
+    </a:lvl2pPr>
+    <a:lvl3pPr marL="914400" algn="l" defTabSz="914400" rtl="0" eaLnBrk="1" latinLnBrk="0" hangingPunct="1">
+      <a:defRPr sz="1200" kern="1200">
+        <a:solidFill>
+          <a:schemeClr val="tx1"/>
+        </a:solidFill>
+        <a:latin typeface="+mn-lt"/>
+        <a:ea typeface="+mn-ea"/>
+        <a:cs typeface="+mn-cs"/>
+      </a:defRPr>
+    </a:lvl3pPr>
+    <a:lvl4pPr marL="1371600" algn="l" defTabSz="914400" rtl="0" eaLnBrk="1" latinLnBrk="0" hangingPunct="1">
+      <a:defRPr sz="1200" kern="1200">
+        <a:solidFill>
+          <a:schemeClr val="tx1"/>
+        </a:solidFill>
+        <a:latin typeface="+mn-lt"/>
+        <a:ea typeface="+mn-ea"/>
+        <a:cs typeface="+mn-cs"/>
+      </a:defRPr>
+    </a:lvl4pPr>
+    <a:lvl5pPr marL="1828800" algn="l" defTabSz="914400" rtl="0" eaLnBrk="1" latinLnBrk="0" hangingPunct="1">
+      <a:defRPr sz="1200" kern="1200">
+        <a:solidFill>
+          <a:schemeClr val="tx1"/>
+        </a:solidFill>
+        <a:latin typeface="+mn-lt"/>
+        <a:ea typeface="+mn-ea"/>
+        <a:cs typeface="+mn-cs"/>
+      </a:defRPr>
+    </a:lvl5pPr>
+    <a:lvl6pPr marL="2286000" algn="l" defTabSz="914400" rtl="0" eaLnBrk="1" latinLnBrk="0" hangingPunct="1">
+      <a:defRPr sz="1200" kern="1200">
+        <a:solidFill>
+          <a:schemeClr val="tx1"/>
+        </a:solidFill>
+        <a:latin typeface="+mn-lt"/>
+        <a:ea typeface="+mn-ea"/>
+        <a:cs typeface="+mn-cs"/>
+      </a:defRPr>
+    </a:lvl6pPr>
+    <a:lvl7pPr marL="2743200" algn="l" defTabSz="914400" rtl="0" eaLnBrk="1" latinLnBrk="0" hangingPunct="1">
+      <a:defRPr sz="1200" kern="1200">
+        <a:solidFill>
+          <a:schemeClr val="tx1"/>
+        </a:solidFill>
+        <a:latin typeface="+mn-lt"/>
+        <a:ea typeface="+mn-ea"/>
+        <a:cs typeface="+mn-cs"/>
+      </a:defRPr>
+    </a:lvl7pPr>
+    <a:lvl8pPr marL="3200400" algn="l" defTabSz="914400" rtl="0" eaLnBrk="1" latinLnBrk="0" hangingPunct="1">
+      <a:defRPr sz="1200" kern="1200">
+        <a:solidFill>
+          <a:schemeClr val="tx1"/>
+        </a:solidFill>
+        <a:latin typeface="+mn-lt"/>
+        <a:ea typeface="+mn-ea"/>
+        <a:cs typeface="+mn-cs"/>
+      </a:defRPr>
+    </a:lvl8pPr>
+    <a:lvl9pPr marL="3657600" algn="l" defTabSz="914400" rtl="0" eaLnBrk="1" latinLnBrk="0" hangingPunct="1">
+      <a:defRPr sz="1200" kern="1200">
+        <a:solidFill>
+          <a:schemeClr val="tx1"/>
+        </a:solidFill>
+        <a:latin typeface="+mn-lt"/>
+        <a:ea typeface="+mn-ea"/>
+        <a:cs typeface="+mn-cs"/>
+      </a:defRPr>
+    </a:lvl9pPr>
+  </p:notesStyle>
+</p:notesMaster>
+</file>
+
+<file path=ppt/notesSlides/notesSlide1.xml><?xml version="1.0" encoding="utf-8"?>
+<p:notes xmlns:a="http://schemas.openxmlformats.org/drawingml/2006/main" xmlns:r="http://schemas.openxmlformats.org/officeDocument/2006/relationships" xmlns:p="http://schemas.openxmlformats.org/presentationml/2006/main">
+  <p:cSld>
+    <p:spTree>
+      <p:nvGrpSpPr>
+        <p:cNvPr id="1" name=""/>
+        <p:cNvGrpSpPr/>
+        <p:nvPr/>
+      </p:nvGrpSpPr>
+      <p:grpSpPr>
+        <a:xfrm>
+          <a:off x="0" y="0"/>
+          <a:ext cx="0" cy="0"/>
+          <a:chOff x="0" y="0"/>
+          <a:chExt cx="0" cy="0"/>
+        </a:xfrm>
+      </p:grpSpPr>
+      <p:sp>
+        <p:nvSpPr>
+          <p:cNvPr id="2" name="幻灯片图像占位符 1"/>
+          <p:cNvSpPr>
+            <a:spLocks noGrp="1" noRot="1" noChangeAspect="1"/>
+          </p:cNvSpPr>
+          <p:nvPr>
+            <p:ph type="sldImg" idx="2"/>
+          </p:nvPr>
+        </p:nvSpPr>
+        <p:spPr>
+          <a:xfrm>
+            <a:off x="438150" y="1252538"/>
+            <a:ext cx="6011863" cy="3381375"/>
+          </a:xfrm>
+        </p:spPr>
+      </p:sp>
+      <p:sp>
+        <p:nvSpPr>
+          <p:cNvPr id="3" name="文本占位符 2"/>
+          <p:cNvSpPr>
+            <a:spLocks noGrp="1"/>
+          </p:cNvSpPr>
+          <p:nvPr>
+            <p:ph type="body" idx="3"/>
+          </p:nvPr>
+        </p:nvSpPr>
+        <p:spPr/>
+        <p:txBody>
+          <a:bodyPr/>
+          <a:lstStyle/>
+          <a:p>
+            <a:r>
+              <a:rPr lang="en-US" altLang="zh-CN"/>
+              <a:t>3.</a:t>
+            </a:r>
+            <a:r>
+              <a:rPr lang="zh-CN" altLang="en-US"/>
+              <a:t>字体大小需要修改</a:t>
+            </a:r>
+            <a:r>
+              <a:rPr lang="ja-JP" altLang="zh-CN"/>
+              <a:t>？？</a:t>
+            </a:r>
+            <a:endParaRPr lang="ja-JP" altLang="zh-CN"/>
+          </a:p>
+        </p:txBody>
+      </p:sp>
+    </p:spTree>
+  </p:cSld>
+  <p:clrMapOvr>
+    <a:masterClrMapping/>
+  </p:clrMapOvr>
+</p:notes>
 </file>
 
 <file path=ppt/slideLayouts/slideLayout1.xml><?xml version="1.0" encoding="utf-8"?>
@@ -702,6 +1133,411 @@
 </p:sldLayout>
 </file>
 
+<file path=ppt/slideLayouts/slideLayout12.xml><?xml version="1.0" encoding="utf-8"?>
+<p:sldLayout xmlns:a="http://schemas.openxmlformats.org/drawingml/2006/main" xmlns:r="http://schemas.openxmlformats.org/officeDocument/2006/relationships" xmlns:p="http://schemas.openxmlformats.org/presentationml/2006/main" preserve="1">
+  <p:cSld name="2_アジェンダ">
+    <p:spTree>
+      <p:nvGrpSpPr>
+        <p:cNvPr id="1" name=""/>
+        <p:cNvGrpSpPr/>
+        <p:nvPr/>
+      </p:nvGrpSpPr>
+      <p:grpSpPr>
+        <a:xfrm>
+          <a:off x="0" y="0"/>
+          <a:ext cx="0" cy="0"/>
+          <a:chOff x="0" y="0"/>
+          <a:chExt cx="0" cy="0"/>
+        </a:xfrm>
+      </p:grpSpPr>
+      <p:grpSp>
+        <p:nvGrpSpPr>
+          <p:cNvPr id="5" name="グループ化 4"/>
+          <p:cNvGrpSpPr>
+            <a:grpSpLocks noGrp="1" noRot="1" noMove="1" noResize="1" noUngrp="1"/>
+          </p:cNvGrpSpPr>
+          <p:nvPr/>
+        </p:nvGrpSpPr>
+        <p:grpSpPr>
+          <a:xfrm>
+            <a:off x="0" y="0"/>
+            <a:ext cx="9144000" cy="636104"/>
+            <a:chOff x="0" y="0"/>
+            <a:chExt cx="12192000" cy="636104"/>
+          </a:xfrm>
+        </p:grpSpPr>
+        <p:sp>
+          <p:nvSpPr>
+            <p:cNvPr id="6" name="正方形/長方形 4"/>
+            <p:cNvSpPr>
+              <a:spLocks noGrp="1" noRot="1" noMove="1" noResize="1" noEditPoints="1" noAdjustHandles="1" noChangeArrowheads="1" noChangeShapeType="1"/>
+            </p:cNvSpPr>
+            <p:nvPr/>
+          </p:nvSpPr>
+          <p:spPr>
+            <a:xfrm>
+              <a:off x="0" y="0"/>
+              <a:ext cx="12192000" cy="636104"/>
+            </a:xfrm>
+            <a:prstGeom prst="rect">
+              <a:avLst/>
+            </a:prstGeom>
+            <a:solidFill>
+              <a:srgbClr val="0070C0"/>
+            </a:solidFill>
+            <a:ln>
+              <a:noFill/>
+            </a:ln>
+          </p:spPr>
+          <p:style>
+            <a:lnRef idx="2">
+              <a:schemeClr val="accent1">
+                <a:shade val="50000"/>
+              </a:schemeClr>
+            </a:lnRef>
+            <a:fillRef idx="1">
+              <a:schemeClr val="accent1"/>
+            </a:fillRef>
+            <a:effectRef idx="0">
+              <a:schemeClr val="accent1"/>
+            </a:effectRef>
+            <a:fontRef idx="minor">
+              <a:schemeClr val="lt1"/>
+            </a:fontRef>
+          </p:style>
+          <p:txBody>
+            <a:bodyPr rtlCol="0" anchor="ctr"/>
+            <a:lstStyle/>
+            <a:p>
+              <a:pPr algn="ctr"/>
+              <a:endParaRPr kumimoji="1" lang="ja-JP" altLang="en-US" sz="900"/>
+            </a:p>
+          </p:txBody>
+        </p:sp>
+        <p:grpSp>
+          <p:nvGrpSpPr>
+            <p:cNvPr id="7" name="グループ化 6"/>
+            <p:cNvGrpSpPr>
+              <a:grpSpLocks noGrp="1" noRot="1" noMove="1" noResize="1" noUngrp="1"/>
+            </p:cNvGrpSpPr>
+            <p:nvPr/>
+          </p:nvGrpSpPr>
+          <p:grpSpPr>
+            <a:xfrm>
+              <a:off x="9440849" y="0"/>
+              <a:ext cx="2751151" cy="333955"/>
+              <a:chOff x="9440849" y="0"/>
+              <a:chExt cx="2751151" cy="333955"/>
+            </a:xfrm>
+          </p:grpSpPr>
+          <p:sp>
+            <p:nvSpPr>
+              <p:cNvPr id="8" name="フローチャート: 手操作入力 7"/>
+              <p:cNvSpPr>
+                <a:spLocks noGrp="1" noRot="1" noMove="1" noResize="1" noEditPoints="1" noAdjustHandles="1" noChangeArrowheads="1" noChangeShapeType="1"/>
+              </p:cNvSpPr>
+              <p:nvPr/>
+            </p:nvSpPr>
+            <p:spPr>
+              <a:xfrm rot="16200000">
+                <a:off x="10649447" y="-1208598"/>
+                <a:ext cx="333955" cy="2751151"/>
+              </a:xfrm>
+              <a:prstGeom prst="flowChartManualInput">
+                <a:avLst/>
+              </a:prstGeom>
+              <a:solidFill>
+                <a:schemeClr val="bg1"/>
+              </a:solidFill>
+              <a:ln>
+                <a:noFill/>
+              </a:ln>
+            </p:spPr>
+            <p:style>
+              <a:lnRef idx="2">
+                <a:schemeClr val="accent1">
+                  <a:shade val="50000"/>
+                </a:schemeClr>
+              </a:lnRef>
+              <a:fillRef idx="1">
+                <a:schemeClr val="accent1"/>
+              </a:fillRef>
+              <a:effectRef idx="0">
+                <a:schemeClr val="accent1"/>
+              </a:effectRef>
+              <a:fontRef idx="minor">
+                <a:schemeClr val="lt1"/>
+              </a:fontRef>
+            </p:style>
+            <p:txBody>
+              <a:bodyPr rtlCol="0" anchor="ctr"/>
+              <a:lstStyle/>
+              <a:p>
+                <a:pPr algn="ctr"/>
+                <a:endParaRPr kumimoji="1" lang="ja-JP" altLang="en-US" sz="1350"/>
+              </a:p>
+            </p:txBody>
+          </p:sp>
+          <p:pic>
+            <p:nvPicPr>
+              <p:cNvPr id="9" name="図 3"/>
+              <p:cNvPicPr>
+                <a:picLocks noGrp="1" noRot="1" noChangeAspect="1" noMove="1" noResize="1" noEditPoints="1" noAdjustHandles="1" noChangeArrowheads="1" noChangeShapeType="1" noCrop="1"/>
+              </p:cNvPicPr>
+              <p:nvPr/>
+            </p:nvPicPr>
+            <p:blipFill>
+              <a:blip r:embed="rId2" cstate="screen"/>
+              <a:stretch>
+                <a:fillRect/>
+              </a:stretch>
+            </p:blipFill>
+            <p:spPr>
+              <a:xfrm>
+                <a:off x="10031347" y="71376"/>
+                <a:ext cx="2076066" cy="197804"/>
+              </a:xfrm>
+              <a:prstGeom prst="rect">
+                <a:avLst/>
+              </a:prstGeom>
+              <a:effectLst/>
+            </p:spPr>
+          </p:pic>
+        </p:grpSp>
+      </p:grpSp>
+      <p:sp>
+        <p:nvSpPr>
+          <p:cNvPr id="3" name="タイトル 2"/>
+          <p:cNvSpPr>
+            <a:spLocks noGrp="1"/>
+          </p:cNvSpPr>
+          <p:nvPr>
+            <p:ph type="title"/>
+          </p:nvPr>
+        </p:nvSpPr>
+        <p:spPr>
+          <a:xfrm>
+            <a:off x="27128" y="98565"/>
+            <a:ext cx="6056768" cy="470779"/>
+          </a:xfrm>
+          <a:prstGeom prst="rect">
+            <a:avLst/>
+          </a:prstGeom>
+        </p:spPr>
+        <p:txBody>
+          <a:bodyPr>
+            <a:normAutofit/>
+          </a:bodyPr>
+          <a:lstStyle>
+            <a:lvl1pPr>
+              <a:defRPr sz="1800" b="1">
+                <a:solidFill>
+                  <a:schemeClr val="bg1"/>
+                </a:solidFill>
+              </a:defRPr>
+            </a:lvl1pPr>
+          </a:lstStyle>
+          <a:p>
+            <a:r>
+              <a:rPr kumimoji="1" lang="ja-JP" altLang="en-US"/>
+              <a:t>マスター タイトルの書式設定</a:t>
+            </a:r>
+            <a:endParaRPr kumimoji="1" lang="ja-JP" altLang="en-US"/>
+          </a:p>
+        </p:txBody>
+      </p:sp>
+      <p:sp>
+        <p:nvSpPr>
+          <p:cNvPr id="12" name="コンテンツ プレースホルダー 11"/>
+          <p:cNvSpPr>
+            <a:spLocks noGrp="1"/>
+          </p:cNvSpPr>
+          <p:nvPr>
+            <p:ph sz="quarter" idx="13"/>
+          </p:nvPr>
+        </p:nvSpPr>
+        <p:spPr>
+          <a:xfrm>
+            <a:off x="628591" y="2469452"/>
+            <a:ext cx="7086600" cy="1656864"/>
+          </a:xfrm>
+          <a:prstGeom prst="rect">
+            <a:avLst/>
+          </a:prstGeom>
+        </p:spPr>
+        <p:txBody>
+          <a:bodyPr anchor="ctr">
+            <a:spAutoFit/>
+          </a:bodyPr>
+          <a:lstStyle>
+            <a:lvl1pPr marL="342900" indent="-342900">
+              <a:buFont typeface="+mj-lt"/>
+              <a:buAutoNum type="arabicPeriod"/>
+              <a:defRPr sz="1800" b="1"/>
+            </a:lvl1pPr>
+            <a:lvl2pPr marL="685800" indent="-342900">
+              <a:buFont typeface="+mj-lt"/>
+              <a:buAutoNum type="arabicPeriod"/>
+              <a:defRPr sz="1500"/>
+            </a:lvl2pPr>
+            <a:lvl3pPr marL="942975" indent="-257175">
+              <a:buFont typeface="+mj-lt"/>
+              <a:buAutoNum type="arabicPeriod"/>
+              <a:defRPr sz="1350"/>
+            </a:lvl3pPr>
+            <a:lvl4pPr marL="1285875" indent="-257175">
+              <a:buFont typeface="+mj-lt"/>
+              <a:buAutoNum type="arabicPeriod"/>
+              <a:defRPr sz="1200"/>
+            </a:lvl4pPr>
+            <a:lvl5pPr marL="1628775" indent="-257175">
+              <a:buFont typeface="+mj-lt"/>
+              <a:buAutoNum type="arabicPeriod"/>
+              <a:defRPr sz="1200"/>
+            </a:lvl5pPr>
+          </a:lstStyle>
+          <a:p>
+            <a:pPr lvl="0"/>
+            <a:r>
+              <a:rPr kumimoji="1" lang="ja-JP" altLang="en-US"/>
+              <a:t>マスター テキストの書式設定</a:t>
+            </a:r>
+            <a:endParaRPr kumimoji="1" lang="ja-JP" altLang="en-US"/>
+          </a:p>
+          <a:p>
+            <a:pPr lvl="1"/>
+            <a:r>
+              <a:rPr kumimoji="1" lang="ja-JP" altLang="en-US"/>
+              <a:t>第 </a:t>
+            </a:r>
+            <a:r>
+              <a:rPr kumimoji="1" lang="en-US" altLang="ja-JP"/>
+              <a:t>2 </a:t>
+            </a:r>
+            <a:r>
+              <a:rPr kumimoji="1" lang="ja-JP" altLang="en-US"/>
+              <a:t>レベル</a:t>
+            </a:r>
+            <a:endParaRPr kumimoji="1" lang="ja-JP" altLang="en-US"/>
+          </a:p>
+          <a:p>
+            <a:pPr lvl="2"/>
+            <a:r>
+              <a:rPr kumimoji="1" lang="ja-JP" altLang="en-US"/>
+              <a:t>第 </a:t>
+            </a:r>
+            <a:r>
+              <a:rPr kumimoji="1" lang="en-US" altLang="ja-JP"/>
+              <a:t>3 </a:t>
+            </a:r>
+            <a:r>
+              <a:rPr kumimoji="1" lang="ja-JP" altLang="en-US"/>
+              <a:t>レベル</a:t>
+            </a:r>
+            <a:endParaRPr kumimoji="1" lang="ja-JP" altLang="en-US"/>
+          </a:p>
+          <a:p>
+            <a:pPr lvl="3"/>
+            <a:r>
+              <a:rPr kumimoji="1" lang="ja-JP" altLang="en-US"/>
+              <a:t>第 </a:t>
+            </a:r>
+            <a:r>
+              <a:rPr kumimoji="1" lang="en-US" altLang="ja-JP"/>
+              <a:t>4 </a:t>
+            </a:r>
+            <a:r>
+              <a:rPr kumimoji="1" lang="ja-JP" altLang="en-US"/>
+              <a:t>レベル</a:t>
+            </a:r>
+            <a:endParaRPr kumimoji="1" lang="ja-JP" altLang="en-US"/>
+          </a:p>
+          <a:p>
+            <a:pPr lvl="4"/>
+            <a:r>
+              <a:rPr kumimoji="1" lang="ja-JP" altLang="en-US"/>
+              <a:t>第 </a:t>
+            </a:r>
+            <a:r>
+              <a:rPr kumimoji="1" lang="en-US" altLang="ja-JP"/>
+              <a:t>5 </a:t>
+            </a:r>
+            <a:r>
+              <a:rPr kumimoji="1" lang="ja-JP" altLang="en-US"/>
+              <a:t>レベル</a:t>
+            </a:r>
+            <a:endParaRPr kumimoji="1" lang="ja-JP" altLang="en-US"/>
+          </a:p>
+        </p:txBody>
+      </p:sp>
+      <p:pic>
+        <p:nvPicPr>
+          <p:cNvPr id="10" name="図 9" descr="ロゴ&#10;&#10;自動的に生成された説明"/>
+          <p:cNvPicPr>
+            <a:picLocks noChangeAspect="1"/>
+          </p:cNvPicPr>
+          <p:nvPr userDrawn="1"/>
+        </p:nvPicPr>
+        <p:blipFill rotWithShape="1">
+          <a:blip r:embed="rId3" cstate="print">
+            <a:extLst>
+              <a:ext uri="{28A0092B-C50C-407E-A947-70E740481C1C}">
+                <a14:useLocalDpi xmlns:a14="http://schemas.microsoft.com/office/drawing/2010/main" val="0"/>
+              </a:ext>
+            </a:extLst>
+          </a:blip>
+          <a:srcRect l="1695" t="15043" r="1882" b="30560"/>
+          <a:stretch>
+            <a:fillRect/>
+          </a:stretch>
+        </p:blipFill>
+        <p:spPr>
+          <a:xfrm>
+            <a:off x="3507943" y="6654577"/>
+            <a:ext cx="2128112" cy="174848"/>
+          </a:xfrm>
+          <a:prstGeom prst="rect">
+            <a:avLst/>
+          </a:prstGeom>
+        </p:spPr>
+      </p:pic>
+      <p:sp>
+        <p:nvSpPr>
+          <p:cNvPr id="2" name="スライド番号プレースホルダー 3"/>
+          <p:cNvSpPr>
+            <a:spLocks noGrp="1"/>
+          </p:cNvSpPr>
+          <p:nvPr>
+            <p:ph type="sldNum" sz="quarter" idx="12"/>
+          </p:nvPr>
+        </p:nvSpPr>
+        <p:spPr>
+          <a:xfrm>
+            <a:off x="8586496" y="6574939"/>
+            <a:ext cx="557504" cy="276999"/>
+          </a:xfrm>
+        </p:spPr>
+        <p:txBody>
+          <a:bodyPr>
+            <a:spAutoFit/>
+          </a:bodyPr>
+          <a:lstStyle/>
+          <a:p>
+            <a:fld id="{4749437D-70FE-43BF-981A-6C91AFE0B91F}" type="slidenum">
+              <a:rPr kumimoji="1" lang="ja-JP" altLang="en-US" smtClean="0"/>
+            </a:fld>
+            <a:endParaRPr kumimoji="1" lang="ja-JP" altLang="en-US"/>
+          </a:p>
+        </p:txBody>
+      </p:sp>
+    </p:spTree>
+  </p:cSld>
+  <p:clrMapOvr>
+    <a:masterClrMapping/>
+  </p:clrMapOvr>
+</p:sldLayout>
+</file>
+
 <file path=ppt/slideLayouts/slideLayout2.xml><?xml version="1.0" encoding="utf-8"?>
 <p:sldLayout xmlns:a="http://schemas.openxmlformats.org/drawingml/2006/main" xmlns:r="http://schemas.openxmlformats.org/officeDocument/2006/relationships" xmlns:p="http://schemas.openxmlformats.org/presentationml/2006/main" type="obj" preserve="1">
   <p:cSld name="Title and Content">
@@ -2797,6 +3633,7 @@
     <p:sldLayoutId id="2147483657" r:id="rId9"/>
     <p:sldLayoutId id="2147483658" r:id="rId10"/>
     <p:sldLayoutId id="2147483659" r:id="rId11"/>
+    <p:sldLayoutId id="2147483660" r:id="rId12"/>
   </p:sldLayoutIdLst>
   <p:txStyles>
     <p:titleStyle>
@@ -3092,105 +3929,6 @@
       </p:sp>
       <p:sp>
         <p:nvSpPr>
-          <p:cNvPr id="10" name="矩形 9"/>
-          <p:cNvSpPr/>
-          <p:nvPr/>
-        </p:nvSpPr>
-        <p:spPr>
-          <a:xfrm>
-            <a:off x="1296072" y="3228578"/>
-            <a:ext cx="5638127" cy="403273"/>
-          </a:xfrm>
-          <a:prstGeom prst="rect">
-            <a:avLst/>
-          </a:prstGeom>
-          <a:solidFill>
-            <a:srgbClr val="ED7D31">
-              <a:lumMod val="20000"/>
-              <a:lumOff val="80000"/>
-            </a:srgbClr>
-          </a:solidFill>
-          <a:ln w="12700" cap="flat" cmpd="sng" algn="ctr">
-            <a:solidFill>
-              <a:srgbClr val="4472C4">
-                <a:shade val="50000"/>
-              </a:srgbClr>
-            </a:solidFill>
-            <a:prstDash val="solid"/>
-            <a:miter lim="800000"/>
-          </a:ln>
-          <a:effectLst/>
-        </p:spPr>
-        <p:txBody>
-          <a:bodyPr rtlCol="0" anchor="ctr"/>
-          <a:lstStyle/>
-          <a:p>
-            <a:r>
-              <a:rPr lang="en-US" altLang="ja-JP" dirty="0">
-                <a:solidFill>
-                  <a:sysClr val="windowText" lastClr="000000"/>
-                </a:solidFill>
-                <a:latin typeface="Meiryo UI" charset="0"/>
-                <a:ea typeface="Meiryo UI" charset="0"/>
-              </a:rPr>
-              <a:t>2. </a:t>
-            </a:r>
-            <a:r>
-              <a:rPr lang="ja-JP" altLang="en-US" dirty="0">
-                <a:solidFill>
-                  <a:sysClr val="windowText" lastClr="000000"/>
-                </a:solidFill>
-                <a:latin typeface="Meiryo UI" charset="0"/>
-                <a:ea typeface="Meiryo UI" charset="0"/>
-                <a:sym typeface="Meiryo UI" charset="0"/>
-              </a:rPr>
-              <a:t>コード</a:t>
-            </a:r>
-            <a:r>
-              <a:rPr lang="zh-CN" altLang="en-US" dirty="0">
-                <a:solidFill>
-                  <a:sysClr val="windowText" lastClr="000000"/>
-                </a:solidFill>
-                <a:latin typeface="Meiryo UI" charset="0"/>
-                <a:ea typeface="Meiryo UI" charset="0"/>
-                <a:sym typeface="Meiryo UI" charset="0"/>
-              </a:rPr>
-              <a:t>審査</a:t>
-            </a:r>
-            <a:r>
-              <a:rPr lang="en-US" altLang="ja-JP" dirty="0">
-                <a:solidFill>
-                  <a:sysClr val="windowText" lastClr="000000"/>
-                </a:solidFill>
-                <a:latin typeface="Meiryo UI" charset="0"/>
-                <a:ea typeface="Meiryo UI" charset="0"/>
-                <a:sym typeface="Meiryo UI" charset="0"/>
-              </a:rPr>
-              <a:t>AI</a:t>
-            </a:r>
-            <a:r>
-              <a:rPr lang="ja-JP" altLang="en-US" dirty="0">
-                <a:solidFill>
-                  <a:sysClr val="windowText" lastClr="000000"/>
-                </a:solidFill>
-                <a:latin typeface="Meiryo UI" charset="0"/>
-                <a:ea typeface="Meiryo UI" charset="0"/>
-                <a:sym typeface="Meiryo UI" charset="0"/>
-              </a:rPr>
-              <a:t>ツールの効果確認</a:t>
-            </a:r>
-            <a:endParaRPr lang="zh-CN" altLang="en-US" dirty="0">
-              <a:solidFill>
-                <a:sysClr val="windowText" lastClr="000000"/>
-              </a:solidFill>
-              <a:latin typeface="Meiryo UI" charset="0"/>
-              <a:ea typeface="Meiryo UI" charset="0"/>
-            </a:endParaRPr>
-          </a:p>
-        </p:txBody>
-      </p:sp>
-      <p:sp>
-        <p:nvSpPr>
           <p:cNvPr id="2" name="Title 1"/>
           <p:cNvSpPr>
             <a:spLocks noGrp="1"/>
@@ -3317,298 +4055,2700 @@
       </p:sp>
       <p:sp>
         <p:nvSpPr>
-          <p:cNvPr id="8" name="矩形 7"/>
+          <p:cNvPr id="6" name="文本框 5"/>
+          <p:cNvSpPr txBox="1"/>
+          <p:nvPr/>
+        </p:nvSpPr>
+        <p:spPr>
+          <a:xfrm>
+            <a:off x="5121213" y="2604663"/>
+            <a:ext cx="1401254" cy="457284"/>
+          </a:xfrm>
+          <a:prstGeom prst="rect">
+            <a:avLst/>
+          </a:prstGeom>
+          <a:noFill/>
+        </p:spPr>
+        <p:txBody>
+          <a:bodyPr wrap="square" rtlCol="0">
+            <a:noAutofit/>
+          </a:bodyPr>
+          <a:p>
+            <a:r>
+              <a:rPr lang="ja-JP" altLang="en-US" sz="1200" dirty="0">
+                <a:ea typeface="+mn-lt"/>
+                <a:cs typeface="+mn-lt"/>
+                <a:sym typeface="+mn-ea"/>
+              </a:rPr>
+              <a:t>影響範囲、整合性の問い合わせ</a:t>
+            </a:r>
+            <a:endParaRPr lang="ja-JP" altLang="zh-CN" sz="1200" dirty="0">
+              <a:ea typeface="+mn-lt"/>
+              <a:cs typeface="+mn-lt"/>
+              <a:sym typeface="+mn-ea"/>
+            </a:endParaRPr>
+          </a:p>
+        </p:txBody>
+      </p:sp>
+      <p:sp>
+        <p:nvSpPr>
+          <p:cNvPr id="4" name="文本框 3"/>
+          <p:cNvSpPr txBox="1"/>
+          <p:nvPr/>
+        </p:nvSpPr>
+        <p:spPr>
+          <a:xfrm>
+            <a:off x="4363085" y="1613535"/>
+            <a:ext cx="3048000" cy="645160"/>
+          </a:xfrm>
+          <a:prstGeom prst="rect">
+            <a:avLst/>
+          </a:prstGeom>
+          <a:noFill/>
+        </p:spPr>
+        <p:txBody>
+          <a:bodyPr wrap="square" rtlCol="0">
+            <a:spAutoFit/>
+          </a:bodyPr>
+          <a:p>
+            <a:r>
+              <a:rPr lang="ja-JP" altLang="en-US" dirty="0">
+                <a:ea typeface="+mn-lt"/>
+                <a:cs typeface="+mn-lt"/>
+                <a:sym typeface="+mn-ea"/>
+              </a:rPr>
+              <a:t>影響範囲、整合性の問い合わせ</a:t>
+            </a:r>
+            <a:endParaRPr lang="zh-CN" altLang="en-US"/>
+          </a:p>
+        </p:txBody>
+      </p:sp>
+    </p:spTree>
+  </p:cSld>
+  <p:clrMapOvr>
+    <a:masterClrMapping/>
+  </p:clrMapOvr>
+</p:sld>
+</file>
+
+<file path=ppt/slides/slide2.xml><?xml version="1.0" encoding="utf-8"?>
+<p:sld xmlns:a="http://schemas.openxmlformats.org/drawingml/2006/main" xmlns:r="http://schemas.openxmlformats.org/officeDocument/2006/relationships" xmlns:p="http://schemas.openxmlformats.org/presentationml/2006/main">
+  <p:cSld>
+    <p:spTree>
+      <p:nvGrpSpPr>
+        <p:cNvPr id="1" name=""/>
+        <p:cNvGrpSpPr/>
+        <p:nvPr/>
+      </p:nvGrpSpPr>
+      <p:grpSpPr>
+        <a:xfrm>
+          <a:off x="0" y="0"/>
+          <a:ext cx="0" cy="0"/>
+          <a:chOff x="0" y="0"/>
+          <a:chExt cx="0" cy="0"/>
+        </a:xfrm>
+      </p:grpSpPr>
+      <p:sp>
+        <p:nvSpPr>
+          <p:cNvPr id="8" name="流程图: 磁盘 7"/>
           <p:cNvSpPr/>
           <p:nvPr/>
         </p:nvSpPr>
         <p:spPr>
           <a:xfrm>
-            <a:off x="3385222" y="2443449"/>
-            <a:ext cx="5638127" cy="403273"/>
+            <a:off x="6460664" y="3507381"/>
+            <a:ext cx="1736016" cy="998336"/>
+          </a:xfrm>
+          <a:prstGeom prst="flowChartMagneticDisk">
+            <a:avLst/>
+          </a:prstGeom>
+          <a:solidFill>
+            <a:schemeClr val="accent5">
+              <a:lumMod val="20000"/>
+              <a:lumOff val="80000"/>
+            </a:schemeClr>
+          </a:solidFill>
+          <a:ln>
+            <a:solidFill>
+              <a:srgbClr val="FFC000"/>
+            </a:solidFill>
+          </a:ln>
+        </p:spPr>
+        <p:style>
+          <a:lnRef idx="2">
+            <a:schemeClr val="accent1">
+              <a:shade val="50000"/>
+            </a:schemeClr>
+          </a:lnRef>
+          <a:fillRef idx="1">
+            <a:schemeClr val="accent1"/>
+          </a:fillRef>
+          <a:effectRef idx="0">
+            <a:schemeClr val="accent1"/>
+          </a:effectRef>
+          <a:fontRef idx="minor">
+            <a:schemeClr val="lt1"/>
+          </a:fontRef>
+        </p:style>
+        <p:txBody>
+          <a:bodyPr rtlCol="0" anchor="ctr"/>
+          <a:lstStyle/>
+          <a:p>
+            <a:pPr algn="ctr"/>
+            <a:endParaRPr lang="zh-CN" altLang="en-US" sz="1350"/>
+          </a:p>
+        </p:txBody>
+      </p:sp>
+      <p:sp>
+        <p:nvSpPr>
+          <p:cNvPr id="59" name="矩形 58"/>
+          <p:cNvSpPr/>
+          <p:nvPr/>
+        </p:nvSpPr>
+        <p:spPr>
+          <a:xfrm>
+            <a:off x="5955554" y="1974094"/>
+            <a:ext cx="2634201" cy="1322981"/>
           </a:xfrm>
           <a:prstGeom prst="rect">
             <a:avLst/>
           </a:prstGeom>
           <a:solidFill>
-            <a:srgbClr val="ED7D31">
-              <a:lumMod val="20000"/>
-              <a:lumOff val="80000"/>
-            </a:srgbClr>
+            <a:srgbClr val="EEE4F6"/>
           </a:solidFill>
-          <a:ln w="12700" cap="flat" cmpd="sng" algn="ctr">
+          <a:ln w="19050" cap="flat" cmpd="sng" algn="ctr">
             <a:solidFill>
-              <a:srgbClr val="4472C4">
-                <a:shade val="50000"/>
-              </a:srgbClr>
+              <a:srgbClr val="7030A0"/>
             </a:solidFill>
             <a:prstDash val="solid"/>
             <a:miter lim="800000"/>
           </a:ln>
-          <a:effectLst/>
         </p:spPr>
         <p:txBody>
           <a:bodyPr rtlCol="0" anchor="ctr"/>
           <a:lstStyle/>
           <a:p>
-            <a:r>
-              <a:rPr lang="en-US" altLang="zh-CN" dirty="0">
-                <a:solidFill>
-                  <a:sysClr val="windowText" lastClr="000000"/>
-                </a:solidFill>
-                <a:latin typeface="Meiryo UI" charset="0"/>
-                <a:ea typeface="Meiryo UI" charset="0"/>
-                <a:sym typeface="Meiryo UI" charset="0"/>
-              </a:rPr>
-              <a:t>1. </a:t>
-            </a:r>
-            <a:r>
-              <a:rPr lang="ja-JP" altLang="en-US" dirty="0">
-                <a:solidFill>
-                  <a:sysClr val="windowText" lastClr="000000"/>
-                </a:solidFill>
-                <a:latin typeface="Meiryo UI" charset="0"/>
-                <a:ea typeface="Meiryo UI" charset="0"/>
-                <a:sym typeface="Meiryo UI" charset="0"/>
-              </a:rPr>
-              <a:t>コード</a:t>
-            </a:r>
-            <a:r>
-              <a:rPr lang="zh-CN" altLang="en-US" dirty="0">
-                <a:solidFill>
-                  <a:sysClr val="windowText" lastClr="000000"/>
-                </a:solidFill>
-                <a:latin typeface="Meiryo UI" charset="0"/>
-                <a:ea typeface="Meiryo UI" charset="0"/>
-                <a:sym typeface="Meiryo UI" charset="0"/>
-              </a:rPr>
-              <a:t>審査</a:t>
-            </a:r>
-            <a:r>
-              <a:rPr lang="en-US" altLang="ja-JP" dirty="0">
-                <a:solidFill>
-                  <a:sysClr val="windowText" lastClr="000000"/>
-                </a:solidFill>
-                <a:latin typeface="Meiryo UI" charset="0"/>
-                <a:ea typeface="Meiryo UI" charset="0"/>
-                <a:sym typeface="Meiryo UI" charset="0"/>
-              </a:rPr>
-              <a:t>AI</a:t>
-            </a:r>
-            <a:r>
-              <a:rPr lang="ja-JP" altLang="en-US" dirty="0">
-                <a:solidFill>
-                  <a:sysClr val="windowText" lastClr="000000"/>
-                </a:solidFill>
-                <a:latin typeface="Meiryo UI" charset="0"/>
-                <a:ea typeface="Meiryo UI" charset="0"/>
-                <a:sym typeface="Meiryo UI" charset="0"/>
-              </a:rPr>
-              <a:t>ツール導入のイメージとメリット</a:t>
-            </a:r>
-            <a:endParaRPr lang="zh-CN" altLang="en-US" dirty="0">
+            <a:pPr marL="0" marR="0" indent="0" algn="ctr" defTabSz="914400" eaLnBrk="1" fontAlgn="auto" latinLnBrk="0" hangingPunct="1">
+              <a:lnSpc>
+                <a:spcPct val="100000"/>
+              </a:lnSpc>
+              <a:spcBef>
+                <a:spcPts val="0"/>
+              </a:spcBef>
+              <a:spcAft>
+                <a:spcPts val="0"/>
+              </a:spcAft>
+              <a:buClrTx/>
+              <a:buSzTx/>
+              <a:buFontTx/>
+              <a:buNone/>
+            </a:pPr>
+            <a:endParaRPr kumimoji="0" lang="zh-CN" altLang="en-US" sz="1050" b="0" i="0" u="none" strike="noStrike" kern="0" cap="none" spc="0" normalizeH="0" baseline="0" noProof="0">
+              <a:ln>
+                <a:noFill/>
+              </a:ln>
               <a:solidFill>
-                <a:sysClr val="windowText" lastClr="000000"/>
+                <a:prstClr val="white"/>
               </a:solidFill>
-              <a:latin typeface="Meiryo UI" charset="0"/>
-              <a:ea typeface="Meiryo UI" charset="0"/>
+              <a:effectLst/>
+              <a:uLnTx/>
+              <a:uFillTx/>
+              <a:ea typeface="Meiryo UI" panose="020B0604030504040204" charset="-128"/>
+              <a:cs typeface="+mn-lt"/>
             </a:endParaRPr>
           </a:p>
         </p:txBody>
       </p:sp>
       <p:sp>
         <p:nvSpPr>
-          <p:cNvPr id="12" name="矩形 11"/>
+          <p:cNvPr id="10" name="矩形 9"/>
           <p:cNvSpPr/>
           <p:nvPr/>
         </p:nvSpPr>
         <p:spPr>
           <a:xfrm>
-            <a:off x="3385220" y="4483925"/>
-            <a:ext cx="5638127" cy="403273"/>
+            <a:off x="6078733" y="2447925"/>
+            <a:ext cx="2436313" cy="626035"/>
           </a:xfrm>
           <a:prstGeom prst="rect">
             <a:avLst/>
           </a:prstGeom>
           <a:solidFill>
-            <a:srgbClr val="ED7D31">
-              <a:lumMod val="20000"/>
-              <a:lumOff val="80000"/>
-            </a:srgbClr>
+            <a:sysClr val="window" lastClr="FFFFFF">
+              <a:lumMod val="85000"/>
+              <a:alpha val="60000"/>
+            </a:sysClr>
           </a:solidFill>
           <a:ln w="12700" cap="flat" cmpd="sng" algn="ctr">
+            <a:noFill/>
+            <a:prstDash val="solid"/>
+            <a:miter lim="800000"/>
+          </a:ln>
+        </p:spPr>
+        <p:txBody>
+          <a:bodyPr rtlCol="0" anchor="ctr"/>
+          <a:lstStyle/>
+          <a:p>
+            <a:pPr marL="0" marR="0" indent="0" algn="ctr" defTabSz="914400" eaLnBrk="1" fontAlgn="auto" latinLnBrk="0" hangingPunct="1">
+              <a:lnSpc>
+                <a:spcPct val="100000"/>
+              </a:lnSpc>
+              <a:spcBef>
+                <a:spcPts val="0"/>
+              </a:spcBef>
+              <a:spcAft>
+                <a:spcPts val="0"/>
+              </a:spcAft>
+              <a:buClrTx/>
+              <a:buSzTx/>
+              <a:buFontTx/>
+              <a:buNone/>
+            </a:pPr>
+            <a:endParaRPr kumimoji="0" lang="zh-CN" altLang="en-US" sz="1050" b="0" i="0" u="none" strike="noStrike" kern="0" cap="none" spc="0" normalizeH="0" baseline="0" noProof="0">
+              <a:ln>
+                <a:noFill/>
+              </a:ln>
+              <a:solidFill>
+                <a:prstClr val="white"/>
+              </a:solidFill>
+              <a:effectLst/>
+              <a:uLnTx/>
+              <a:uFillTx/>
+              <a:ea typeface="Meiryo UI" panose="020B0604030504040204" charset="-128"/>
+              <a:cs typeface="+mn-lt"/>
+            </a:endParaRPr>
+          </a:p>
+        </p:txBody>
+      </p:sp>
+      <p:sp>
+        <p:nvSpPr>
+          <p:cNvPr id="2" name="スライド番号プレースホルダー 1"/>
+          <p:cNvSpPr>
+            <a:spLocks noGrp="1"/>
+          </p:cNvSpPr>
+          <p:nvPr>
+            <p:ph type="sldNum" sz="quarter" idx="12"/>
+          </p:nvPr>
+        </p:nvSpPr>
+        <p:spPr>
+          <a:xfrm>
+            <a:off x="8551506" y="5781941"/>
+            <a:ext cx="592494" cy="229870"/>
+          </a:xfrm>
+        </p:spPr>
+        <p:txBody>
+          <a:bodyPr>
+            <a:spAutoFit/>
+          </a:bodyPr>
+          <a:lstStyle/>
+          <a:p>
+            <a:fld id="{4749437D-70FE-43BF-981A-6C91AFE0B91F}" type="slidenum">
+              <a:rPr kumimoji="1" lang="ja-JP" altLang="en-US" sz="900" smtClean="0">
+                <a:latin typeface="Meiryo UI" panose="020B0604030504040204" charset="-128"/>
+                <a:ea typeface="Meiryo UI" panose="020B0604030504040204" charset="-128"/>
+              </a:rPr>
+            </a:fld>
+            <a:endParaRPr kumimoji="1" lang="ja-JP" altLang="en-US" sz="900">
+              <a:latin typeface="Meiryo UI" panose="020B0604030504040204" charset="-128"/>
+              <a:ea typeface="Meiryo UI" panose="020B0604030504040204" charset="-128"/>
+            </a:endParaRPr>
+          </a:p>
+        </p:txBody>
+      </p:sp>
+      <p:sp>
+        <p:nvSpPr>
+          <p:cNvPr id="3" name="タイトル 2"/>
+          <p:cNvSpPr>
+            <a:spLocks noGrp="1"/>
+          </p:cNvSpPr>
+          <p:nvPr>
+            <p:ph type="title"/>
+          </p:nvPr>
+        </p:nvSpPr>
+        <p:spPr>
+          <a:xfrm>
+            <a:off x="53252" y="931174"/>
+            <a:ext cx="3772790" cy="353084"/>
+          </a:xfrm>
+        </p:spPr>
+        <p:txBody>
+          <a:bodyPr lIns="68580" tIns="34290" rIns="68580" bIns="34290" anchor="ctr" anchorCtr="0">
+            <a:normAutofit fontScale="90000"/>
+          </a:bodyPr>
+          <a:lstStyle/>
+          <a:p>
+            <a:r>
+              <a:rPr lang="en-US" altLang="ja-JP" b="0" dirty="0">
+                <a:solidFill>
+                  <a:schemeClr val="bg1"/>
+                </a:solidFill>
+                <a:latin typeface="Meiryo UI" panose="020B0604030504040204" charset="-128"/>
+                <a:ea typeface="Meiryo UI" panose="020B0604030504040204" charset="-128"/>
+                <a:cs typeface="Meiryo UI" panose="020B0604030504040204" charset="-128"/>
+              </a:rPr>
+              <a:t>3</a:t>
+            </a:r>
+            <a:r>
+              <a:rPr lang="ja-JP" altLang="en-US" b="0" dirty="0">
+                <a:solidFill>
+                  <a:schemeClr val="bg1"/>
+                </a:solidFill>
+                <a:latin typeface="Meiryo UI" panose="020B0604030504040204" charset="-128"/>
+                <a:ea typeface="Meiryo UI" panose="020B0604030504040204" charset="-128"/>
+                <a:cs typeface="Meiryo UI" panose="020B0604030504040204" charset="-128"/>
+              </a:rPr>
+              <a:t>．コード審査</a:t>
+            </a:r>
+            <a:r>
+              <a:rPr lang="en-US" altLang="ja-JP" b="0" dirty="0">
+                <a:solidFill>
+                  <a:schemeClr val="bg1"/>
+                </a:solidFill>
+                <a:latin typeface="Meiryo UI" panose="020B0604030504040204" charset="-128"/>
+                <a:ea typeface="Meiryo UI" panose="020B0604030504040204" charset="-128"/>
+                <a:cs typeface="Meiryo UI" panose="020B0604030504040204" charset="-128"/>
+              </a:rPr>
+              <a:t>AI</a:t>
+            </a:r>
+            <a:r>
+              <a:rPr lang="ja-JP" altLang="en-US" b="0" dirty="0">
+                <a:solidFill>
+                  <a:schemeClr val="bg1"/>
+                </a:solidFill>
+                <a:latin typeface="Meiryo UI" panose="020B0604030504040204" charset="-128"/>
+                <a:ea typeface="Meiryo UI" panose="020B0604030504040204" charset="-128"/>
+                <a:cs typeface="Meiryo UI" panose="020B0604030504040204" charset="-128"/>
+              </a:rPr>
+              <a:t>ツールのシステム構成</a:t>
+            </a:r>
+            <a:endParaRPr lang="ja-JP" altLang="en-US" b="0" dirty="0">
+              <a:solidFill>
+                <a:schemeClr val="bg1"/>
+              </a:solidFill>
+              <a:latin typeface="Meiryo UI" panose="020B0604030504040204" charset="-128"/>
+              <a:ea typeface="Meiryo UI" panose="020B0604030504040204" charset="-128"/>
+              <a:cs typeface="Meiryo UI" panose="020B0604030504040204" charset="-128"/>
+            </a:endParaRPr>
+          </a:p>
+        </p:txBody>
+      </p:sp>
+      <p:sp>
+        <p:nvSpPr>
+          <p:cNvPr id="88" name="矩形 87"/>
+          <p:cNvSpPr/>
+          <p:nvPr/>
+        </p:nvSpPr>
+        <p:spPr>
+          <a:xfrm>
+            <a:off x="176213" y="1493996"/>
+            <a:ext cx="8582025" cy="3120866"/>
+          </a:xfrm>
+          <a:prstGeom prst="rect">
+            <a:avLst/>
+          </a:prstGeom>
+          <a:noFill/>
+          <a:ln w="28575" cap="flat" cmpd="sng" algn="ctr">
             <a:solidFill>
-              <a:srgbClr val="4472C4">
-                <a:shade val="50000"/>
-              </a:srgbClr>
+              <a:srgbClr val="0000FF"/>
+            </a:solidFill>
+            <a:prstDash val="dash"/>
+            <a:miter lim="800000"/>
+          </a:ln>
+          <a:extLst>
+            <a:ext uri="{909E8E84-426E-40DD-AFC4-6F175D3DCCD1}">
+              <a14:hiddenFill xmlns:a14="http://schemas.microsoft.com/office/drawing/2010/main">
+                <a:solidFill>
+                  <a:sysClr val="window" lastClr="FFFFFF">
+                    <a:lumMod val="85000"/>
+                    <a:alpha val="60000"/>
+                  </a:sysClr>
+                </a:solidFill>
+              </a14:hiddenFill>
+            </a:ext>
+          </a:extLst>
+        </p:spPr>
+        <p:txBody>
+          <a:bodyPr rtlCol="0" anchor="ctr"/>
+          <a:lstStyle/>
+          <a:p>
+            <a:pPr marL="0" marR="0" indent="0" algn="ctr" defTabSz="914400" eaLnBrk="1" fontAlgn="auto" latinLnBrk="0" hangingPunct="1">
+              <a:lnSpc>
+                <a:spcPct val="100000"/>
+              </a:lnSpc>
+              <a:spcBef>
+                <a:spcPts val="0"/>
+              </a:spcBef>
+              <a:spcAft>
+                <a:spcPts val="0"/>
+              </a:spcAft>
+              <a:buClrTx/>
+              <a:buSzTx/>
+              <a:buFontTx/>
+              <a:buNone/>
+            </a:pPr>
+            <a:endParaRPr kumimoji="0" lang="zh-CN" altLang="en-US" sz="1050" b="0" i="0" u="none" strike="noStrike" kern="0" cap="none" spc="0" normalizeH="0" baseline="0" noProof="0">
+              <a:ln>
+                <a:noFill/>
+              </a:ln>
+              <a:solidFill>
+                <a:prstClr val="white"/>
+              </a:solidFill>
+              <a:effectLst/>
+              <a:uLnTx/>
+              <a:uFillTx/>
+              <a:ea typeface="Meiryo UI" panose="020B0604030504040204" charset="-128"/>
+              <a:cs typeface="+mn-lt"/>
+            </a:endParaRPr>
+          </a:p>
+        </p:txBody>
+      </p:sp>
+      <p:sp>
+        <p:nvSpPr>
+          <p:cNvPr id="38" name="矩形 37"/>
+          <p:cNvSpPr/>
+          <p:nvPr/>
+        </p:nvSpPr>
+        <p:spPr>
+          <a:xfrm>
+            <a:off x="2569845" y="1962738"/>
+            <a:ext cx="2227905" cy="2503859"/>
+          </a:xfrm>
+          <a:prstGeom prst="rect">
+            <a:avLst/>
+          </a:prstGeom>
+          <a:solidFill>
+            <a:srgbClr val="FADCC9"/>
+          </a:solidFill>
+          <a:ln w="19050" cap="flat" cmpd="sng" algn="ctr">
+            <a:solidFill>
+              <a:schemeClr val="accent2">
+                <a:lumMod val="75000"/>
+              </a:schemeClr>
             </a:solidFill>
             <a:prstDash val="solid"/>
             <a:miter lim="800000"/>
           </a:ln>
-          <a:effectLst/>
         </p:spPr>
         <p:txBody>
           <a:bodyPr rtlCol="0" anchor="ctr"/>
           <a:lstStyle/>
           <a:p>
-            <a:r>
-              <a:rPr lang="en-US" altLang="ja-JP" dirty="0">
-                <a:solidFill>
-                  <a:sysClr val="windowText" lastClr="000000"/>
-                </a:solidFill>
-                <a:latin typeface="Meiryo UI" charset="0"/>
-                <a:ea typeface="Meiryo UI" charset="0"/>
-              </a:rPr>
-              <a:t>4. </a:t>
-            </a:r>
-            <a:r>
-              <a:rPr lang="ja-JP" altLang="en-US" dirty="0">
-                <a:solidFill>
-                  <a:sysClr val="windowText" lastClr="000000"/>
-                </a:solidFill>
-                <a:latin typeface="Meiryo UI" charset="0"/>
-                <a:ea typeface="Meiryo UI" charset="0"/>
-                <a:sym typeface="Meiryo UI" charset="0"/>
-              </a:rPr>
-              <a:t>コード</a:t>
-            </a:r>
-            <a:r>
-              <a:rPr lang="zh-CN" altLang="en-US" dirty="0">
-                <a:solidFill>
-                  <a:sysClr val="windowText" lastClr="000000"/>
-                </a:solidFill>
-                <a:latin typeface="Meiryo UI" charset="0"/>
-                <a:ea typeface="Meiryo UI" charset="0"/>
-                <a:sym typeface="Meiryo UI" charset="0"/>
-              </a:rPr>
-              <a:t>審査</a:t>
-            </a:r>
-            <a:r>
-              <a:rPr lang="en-US" altLang="ja-JP" dirty="0">
-                <a:solidFill>
-                  <a:sysClr val="windowText" lastClr="000000"/>
-                </a:solidFill>
-                <a:latin typeface="Meiryo UI" charset="0"/>
-                <a:ea typeface="Meiryo UI" charset="0"/>
-                <a:sym typeface="Meiryo UI" charset="0"/>
-              </a:rPr>
-              <a:t>AI</a:t>
-            </a:r>
-            <a:r>
-              <a:rPr lang="ja-JP" altLang="en-US" dirty="0">
-                <a:solidFill>
-                  <a:sysClr val="windowText" lastClr="000000"/>
-                </a:solidFill>
-                <a:latin typeface="Meiryo UI" charset="0"/>
-                <a:ea typeface="Meiryo UI" charset="0"/>
-                <a:sym typeface="Meiryo UI" charset="0"/>
-              </a:rPr>
-              <a:t>ツールのご利用のビジネスモデル</a:t>
-            </a:r>
-            <a:endParaRPr lang="zh-CN" altLang="en-US" dirty="0">
+            <a:pPr marL="0" marR="0" indent="0" algn="ctr" defTabSz="914400" eaLnBrk="1" fontAlgn="auto" latinLnBrk="0" hangingPunct="1">
+              <a:lnSpc>
+                <a:spcPct val="100000"/>
+              </a:lnSpc>
+              <a:spcBef>
+                <a:spcPts val="0"/>
+              </a:spcBef>
+              <a:spcAft>
+                <a:spcPts val="0"/>
+              </a:spcAft>
+              <a:buClrTx/>
+              <a:buSzTx/>
+              <a:buFontTx/>
+              <a:buNone/>
+            </a:pPr>
+            <a:endParaRPr kumimoji="0" lang="zh-CN" altLang="en-US" sz="1050" b="0" i="0" u="none" strike="noStrike" kern="0" cap="none" spc="0" normalizeH="0" baseline="0" noProof="0" dirty="0">
+              <a:ln>
+                <a:noFill/>
+              </a:ln>
               <a:solidFill>
-                <a:sysClr val="windowText" lastClr="000000"/>
+                <a:prstClr val="white"/>
               </a:solidFill>
-              <a:latin typeface="Meiryo UI" charset="0"/>
-              <a:ea typeface="Meiryo UI" charset="0"/>
+              <a:effectLst/>
+              <a:uLnTx/>
+              <a:uFillTx/>
+              <a:ea typeface="Meiryo UI" panose="020B0604030504040204" charset="-128"/>
+              <a:cs typeface="+mn-lt"/>
             </a:endParaRPr>
           </a:p>
         </p:txBody>
       </p:sp>
-      <p:sp>
-        <p:nvSpPr>
-          <p:cNvPr id="11" name="矩形 10"/>
+      <p:pic>
+        <p:nvPicPr>
+          <p:cNvPr id="4" name="图片 3" descr="程序员"/>
+          <p:cNvPicPr>
+            <a:picLocks noChangeAspect="1"/>
+          </p:cNvPicPr>
+          <p:nvPr/>
+        </p:nvPicPr>
+        <p:blipFill>
+          <a:blip r:embed="rId1">
+            <a:extLst>
+              <a:ext uri="{96DAC541-7B7A-43D3-8B79-37D633B846F1}">
+                <asvg:svgBlip xmlns:asvg="http://schemas.microsoft.com/office/drawing/2016/SVG/main" r:embed="rId2"/>
+              </a:ext>
+            </a:extLst>
+          </a:blip>
+          <a:stretch>
+            <a:fillRect/>
+          </a:stretch>
+        </p:blipFill>
+        <p:spPr>
+          <a:xfrm>
+            <a:off x="675554" y="1457885"/>
+            <a:ext cx="645795" cy="645795"/>
+          </a:xfrm>
+          <a:prstGeom prst="rect">
+            <a:avLst/>
+          </a:prstGeom>
+        </p:spPr>
+      </p:pic>
+      <p:sp>
+        <p:nvSpPr>
+          <p:cNvPr id="5" name="矩形 4"/>
           <p:cNvSpPr/>
           <p:nvPr/>
         </p:nvSpPr>
         <p:spPr>
           <a:xfrm>
-            <a:off x="2935641" y="3075861"/>
-            <a:ext cx="5638127" cy="403273"/>
+            <a:off x="356506" y="3402122"/>
+            <a:ext cx="1438104" cy="1107818"/>
           </a:xfrm>
           <a:prstGeom prst="rect">
             <a:avLst/>
           </a:prstGeom>
           <a:solidFill>
-            <a:srgbClr val="ED7D31">
-              <a:lumMod val="20000"/>
-              <a:lumOff val="80000"/>
-            </a:srgbClr>
+            <a:sysClr val="window" lastClr="FFFFFF">
+              <a:lumMod val="85000"/>
+              <a:alpha val="60000"/>
+            </a:sysClr>
           </a:solidFill>
           <a:ln w="12700" cap="flat" cmpd="sng" algn="ctr">
-            <a:solidFill>
-              <a:srgbClr val="4472C4">
-                <a:shade val="50000"/>
-              </a:srgbClr>
-            </a:solidFill>
+            <a:noFill/>
             <a:prstDash val="solid"/>
             <a:miter lim="800000"/>
           </a:ln>
-          <a:effectLst/>
         </p:spPr>
         <p:txBody>
           <a:bodyPr rtlCol="0" anchor="ctr"/>
           <a:lstStyle/>
           <a:p>
-            <a:r>
-              <a:rPr lang="en-US" altLang="ja-JP" dirty="0">
+            <a:pPr marL="0" marR="0" indent="0" algn="ctr" defTabSz="914400" eaLnBrk="1" fontAlgn="auto" latinLnBrk="0" hangingPunct="1">
+              <a:lnSpc>
+                <a:spcPct val="100000"/>
+              </a:lnSpc>
+              <a:spcBef>
+                <a:spcPts val="0"/>
+              </a:spcBef>
+              <a:spcAft>
+                <a:spcPts val="0"/>
+              </a:spcAft>
+              <a:buClrTx/>
+              <a:buSzTx/>
+              <a:buFontTx/>
+              <a:buNone/>
+            </a:pPr>
+            <a:endParaRPr kumimoji="0" lang="zh-CN" altLang="en-US" sz="1050" b="0" i="0" u="none" strike="noStrike" kern="0" cap="none" spc="0" normalizeH="0" baseline="0" noProof="0" dirty="0">
+              <a:ln>
+                <a:noFill/>
+              </a:ln>
+              <a:solidFill>
+                <a:prstClr val="white"/>
+              </a:solidFill>
+              <a:effectLst/>
+              <a:uLnTx/>
+              <a:uFillTx/>
+              <a:ea typeface="Meiryo UI" panose="020B0604030504040204" charset="-128"/>
+              <a:cs typeface="+mn-lt"/>
+            </a:endParaRPr>
+          </a:p>
+        </p:txBody>
+      </p:sp>
+      <p:sp>
+        <p:nvSpPr>
+          <p:cNvPr id="9" name="文本框 8"/>
+          <p:cNvSpPr txBox="1"/>
+          <p:nvPr/>
+        </p:nvSpPr>
+        <p:spPr>
+          <a:xfrm>
+            <a:off x="1384138" y="1746045"/>
+            <a:ext cx="768668" cy="216694"/>
+          </a:xfrm>
+          <a:prstGeom prst="rect">
+            <a:avLst/>
+          </a:prstGeom>
+          <a:noFill/>
+        </p:spPr>
+        <p:txBody>
+          <a:bodyPr wrap="square" rtlCol="0">
+            <a:noAutofit/>
+          </a:bodyPr>
+          <a:lstStyle/>
+          <a:p>
+            <a:r>
+              <a:rPr lang="zh-CN" altLang="en-US" sz="900" dirty="0">
+                <a:ea typeface="Meiryo UI" panose="020B0604030504040204" charset="-128"/>
+                <a:cs typeface="+mn-lt"/>
+              </a:rPr>
+              <a:t>開発者</a:t>
+            </a:r>
+            <a:endParaRPr lang="zh-CN" altLang="en-US" sz="900" dirty="0">
+              <a:ea typeface="Meiryo UI" panose="020B0604030504040204" charset="-128"/>
+              <a:cs typeface="+mn-lt"/>
+            </a:endParaRPr>
+          </a:p>
+        </p:txBody>
+      </p:sp>
+      <p:sp>
+        <p:nvSpPr>
+          <p:cNvPr id="22" name="文本框 21"/>
+          <p:cNvSpPr txBox="1"/>
+          <p:nvPr/>
+        </p:nvSpPr>
+        <p:spPr>
+          <a:xfrm rot="16200000">
+            <a:off x="216353" y="2625581"/>
+            <a:ext cx="866036" cy="248877"/>
+          </a:xfrm>
+          <a:prstGeom prst="rect">
+            <a:avLst/>
+          </a:prstGeom>
+          <a:noFill/>
+        </p:spPr>
+        <p:txBody>
+          <a:bodyPr wrap="square" rtlCol="0">
+            <a:noAutofit/>
+          </a:bodyPr>
+          <a:lstStyle/>
+          <a:p>
+            <a:pPr algn="l">
+              <a:buClrTx/>
+              <a:buSzTx/>
+              <a:buFontTx/>
+            </a:pPr>
+            <a:r>
+              <a:rPr lang="ja-JP" altLang="en-US" sz="900" dirty="0">
+                <a:ea typeface="+mn-lt"/>
+                <a:cs typeface="+mn-lt"/>
+              </a:rPr>
+              <a:t>審査</a:t>
+            </a:r>
+            <a:r>
+              <a:rPr lang="ja-JP" altLang="en-US" sz="1050" dirty="0">
+                <a:ea typeface="+mn-lt"/>
+                <a:cs typeface="+mn-lt"/>
+              </a:rPr>
+              <a:t>要求</a:t>
+            </a:r>
+            <a:r>
+              <a:rPr lang="ja-JP" altLang="en-US" sz="900" dirty="0">
+                <a:ea typeface="+mn-lt"/>
+                <a:cs typeface="+mn-lt"/>
+              </a:rPr>
+              <a:t>提出</a:t>
+            </a:r>
+            <a:endParaRPr lang="zh-CN" altLang="en-US" sz="900" dirty="0">
+              <a:ea typeface="+mn-lt"/>
+              <a:cs typeface="+mn-lt"/>
+            </a:endParaRPr>
+          </a:p>
+        </p:txBody>
+      </p:sp>
+      <p:sp>
+        <p:nvSpPr>
+          <p:cNvPr id="24" name="文本框 23"/>
+          <p:cNvSpPr txBox="1"/>
+          <p:nvPr/>
+        </p:nvSpPr>
+        <p:spPr>
+          <a:xfrm>
+            <a:off x="849852" y="3878165"/>
+            <a:ext cx="848941" cy="368300"/>
+          </a:xfrm>
+          <a:prstGeom prst="rect">
+            <a:avLst/>
+          </a:prstGeom>
+          <a:noFill/>
+        </p:spPr>
+        <p:txBody>
+          <a:bodyPr wrap="square" rtlCol="0">
+            <a:spAutoFit/>
+          </a:bodyPr>
+          <a:lstStyle/>
+          <a:p>
+            <a:r>
+              <a:rPr lang="en-US" altLang="zh-CN" sz="900" dirty="0">
+                <a:ea typeface="Meiryo UI" panose="020B0604030504040204" charset="-128"/>
+                <a:cs typeface="+mn-lt"/>
+              </a:rPr>
+              <a:t>Code</a:t>
+            </a:r>
+            <a:r>
+              <a:rPr lang="ja-JP" altLang="en-US" sz="900" dirty="0">
+                <a:ea typeface="Meiryo UI" panose="020B0604030504040204" charset="-128"/>
+                <a:cs typeface="+mn-lt"/>
+              </a:rPr>
+              <a:t>　</a:t>
+            </a:r>
+            <a:r>
+              <a:rPr lang="en-US" altLang="ja-JP" sz="900" dirty="0">
+                <a:ea typeface="Meiryo UI" panose="020B0604030504040204" charset="-128"/>
+                <a:cs typeface="+mn-lt"/>
+              </a:rPr>
+              <a:t>Editor</a:t>
+            </a:r>
+            <a:endParaRPr lang="en-US" altLang="zh-CN" sz="900" dirty="0">
+              <a:ea typeface="Meiryo UI" panose="020B0604030504040204" charset="-128"/>
+              <a:cs typeface="+mn-lt"/>
+            </a:endParaRPr>
+          </a:p>
+        </p:txBody>
+      </p:sp>
+      <p:pic>
+        <p:nvPicPr>
+          <p:cNvPr id="27" name="图片 26" descr="文件"/>
+          <p:cNvPicPr>
+            <a:picLocks noChangeAspect="1"/>
+          </p:cNvPicPr>
+          <p:nvPr/>
+        </p:nvPicPr>
+        <p:blipFill>
+          <a:blip r:embed="rId3">
+            <a:extLst>
+              <a:ext uri="{96DAC541-7B7A-43D3-8B79-37D633B846F1}">
+                <asvg:svgBlip xmlns:asvg="http://schemas.microsoft.com/office/drawing/2016/SVG/main" r:embed="rId4"/>
+              </a:ext>
+            </a:extLst>
+          </a:blip>
+          <a:stretch>
+            <a:fillRect/>
+          </a:stretch>
+        </p:blipFill>
+        <p:spPr>
+          <a:xfrm>
+            <a:off x="463066" y="3810445"/>
+            <a:ext cx="231458" cy="231458"/>
+          </a:xfrm>
+          <a:prstGeom prst="rect">
+            <a:avLst/>
+          </a:prstGeom>
+        </p:spPr>
+      </p:pic>
+      <p:pic>
+        <p:nvPicPr>
+          <p:cNvPr id="29" name="图片 28"/>
+          <p:cNvPicPr>
+            <a:picLocks noChangeAspect="1"/>
+          </p:cNvPicPr>
+          <p:nvPr/>
+        </p:nvPicPr>
+        <p:blipFill>
+          <a:blip r:embed="rId5"/>
+          <a:stretch>
+            <a:fillRect/>
+          </a:stretch>
+        </p:blipFill>
+        <p:spPr>
+          <a:xfrm>
+            <a:off x="356506" y="4187390"/>
+            <a:ext cx="437198" cy="224790"/>
+          </a:xfrm>
+          <a:prstGeom prst="rect">
+            <a:avLst/>
+          </a:prstGeom>
+        </p:spPr>
+      </p:pic>
+      <p:sp>
+        <p:nvSpPr>
+          <p:cNvPr id="44" name="文本框 43"/>
+          <p:cNvSpPr txBox="1"/>
+          <p:nvPr/>
+        </p:nvSpPr>
+        <p:spPr>
+          <a:xfrm>
+            <a:off x="643434" y="3412643"/>
+            <a:ext cx="829151" cy="252730"/>
+          </a:xfrm>
+          <a:prstGeom prst="rect">
+            <a:avLst/>
+          </a:prstGeom>
+          <a:noFill/>
+        </p:spPr>
+        <p:txBody>
+          <a:bodyPr wrap="square" rtlCol="0">
+            <a:spAutoFit/>
+          </a:bodyPr>
+          <a:lstStyle/>
+          <a:p>
+            <a:r>
+              <a:rPr lang="en-US" altLang="ja-JP" sz="1050" b="1" dirty="0" err="1">
                 <a:solidFill>
-                  <a:sysClr val="windowText" lastClr="000000"/>
+                  <a:schemeClr val="tx1"/>
                 </a:solidFill>
-                <a:latin typeface="Meiryo UI" charset="0"/>
-                <a:ea typeface="Meiryo UI" charset="0"/>
-              </a:rPr>
-              <a:t>3. </a:t>
-            </a:r>
-            <a:r>
-              <a:rPr lang="ja-JP" altLang="en-US" dirty="0">
+                <a:ea typeface="+mn-lt"/>
+              </a:rPr>
+              <a:t>VSCode</a:t>
+            </a:r>
+            <a:endParaRPr lang="en-US" altLang="ja-JP" sz="1050" b="1" dirty="0">
+              <a:solidFill>
+                <a:schemeClr val="tx1"/>
+              </a:solidFill>
+              <a:ea typeface="+mn-lt"/>
+            </a:endParaRPr>
+          </a:p>
+        </p:txBody>
+      </p:sp>
+      <p:pic>
+        <p:nvPicPr>
+          <p:cNvPr id="74" name="图片 73"/>
+          <p:cNvPicPr>
+            <a:picLocks noChangeAspect="1"/>
+          </p:cNvPicPr>
+          <p:nvPr/>
+        </p:nvPicPr>
+        <p:blipFill>
+          <a:blip r:embed="rId6"/>
+          <a:stretch>
+            <a:fillRect/>
+          </a:stretch>
+        </p:blipFill>
+        <p:spPr>
+          <a:xfrm>
+            <a:off x="6241143" y="2595647"/>
+            <a:ext cx="639128" cy="386582"/>
+          </a:xfrm>
+          <a:prstGeom prst="rect">
+            <a:avLst/>
+          </a:prstGeom>
+          <a:ln w="12700">
+            <a:solidFill>
+              <a:schemeClr val="tx1"/>
+            </a:solidFill>
+          </a:ln>
+        </p:spPr>
+      </p:pic>
+      <p:sp>
+        <p:nvSpPr>
+          <p:cNvPr id="89" name="文本框 88"/>
+          <p:cNvSpPr txBox="1"/>
+          <p:nvPr/>
+        </p:nvSpPr>
+        <p:spPr>
+          <a:xfrm>
+            <a:off x="3457972" y="1408767"/>
+            <a:ext cx="1656874" cy="252730"/>
+          </a:xfrm>
+          <a:prstGeom prst="rect">
+            <a:avLst/>
+          </a:prstGeom>
+          <a:solidFill>
+            <a:schemeClr val="accent5">
+              <a:lumMod val="20000"/>
+              <a:lumOff val="80000"/>
+            </a:schemeClr>
+          </a:solidFill>
+        </p:spPr>
+        <p:txBody>
+          <a:bodyPr wrap="square" rtlCol="0">
+            <a:spAutoFit/>
+          </a:bodyPr>
+          <a:lstStyle/>
+          <a:p>
+            <a:pPr algn="ctr"/>
+            <a:r>
+              <a:rPr lang="zh-CN" altLang="en-US" sz="1050" b="1" dirty="0">
+                <a:ea typeface="Meiryo UI" panose="020B0604030504040204" charset="-128"/>
+                <a:cs typeface="+mn-lt"/>
+              </a:rPr>
+              <a:t>社内</a:t>
+            </a:r>
+            <a:r>
+              <a:rPr lang="ja-JP" altLang="en-US" sz="1050" b="1" dirty="0">
+                <a:ea typeface="Meiryo UI" panose="020B0604030504040204" charset="-128"/>
+                <a:cs typeface="+mn-lt"/>
+              </a:rPr>
+              <a:t>ネットワーク</a:t>
+            </a:r>
+            <a:endParaRPr lang="ja-JP" altLang="en-US" sz="1050" b="1" dirty="0">
+              <a:ea typeface="Meiryo UI" panose="020B0604030504040204" charset="-128"/>
+              <a:cs typeface="+mn-lt"/>
+            </a:endParaRPr>
+          </a:p>
+        </p:txBody>
+      </p:sp>
+      <p:sp>
+        <p:nvSpPr>
+          <p:cNvPr id="34" name="文本框 33"/>
+          <p:cNvSpPr txBox="1"/>
+          <p:nvPr/>
+        </p:nvSpPr>
+        <p:spPr>
+          <a:xfrm>
+            <a:off x="70008" y="4736458"/>
+            <a:ext cx="8794433" cy="972102"/>
+          </a:xfrm>
+          <a:prstGeom prst="rect">
+            <a:avLst/>
+          </a:prstGeom>
+          <a:noFill/>
+        </p:spPr>
+        <p:txBody>
+          <a:bodyPr wrap="square" rtlCol="0">
+            <a:noAutofit/>
+          </a:bodyPr>
+          <a:lstStyle/>
+          <a:p>
+            <a:pPr indent="0" algn="l">
+              <a:buClr>
+                <a:srgbClr val="C00000"/>
+              </a:buClr>
+              <a:buFont typeface="Wingdings" panose="05000000000000000000" charset="0"/>
+              <a:buNone/>
+            </a:pPr>
+            <a:r>
+              <a:rPr lang="en-US" altLang="ja-JP" sz="1050" b="1" dirty="0">
+                <a:latin typeface="Meiryo UI" panose="020B0604030504040204" charset="-128"/>
+                <a:ea typeface="Meiryo UI" panose="020B0604030504040204" charset="-128"/>
+                <a:cs typeface="Meiryo UI" panose="020B0604030504040204" charset="-128"/>
+                <a:sym typeface="+mn-ea"/>
+              </a:rPr>
+              <a:t>【</a:t>
+            </a:r>
+            <a:r>
+              <a:rPr lang="ja-JP" altLang="en-US" sz="1050" b="1" dirty="0">
+                <a:latin typeface="Meiryo UI" panose="020B0604030504040204" charset="-128"/>
+                <a:ea typeface="Meiryo UI" panose="020B0604030504040204" charset="-128"/>
+                <a:cs typeface="Meiryo UI" panose="020B0604030504040204" charset="-128"/>
+                <a:sym typeface="+mn-ea"/>
+              </a:rPr>
+              <a:t>ご説明】</a:t>
+            </a:r>
+            <a:endParaRPr lang="en-US" altLang="zh-CN" sz="1050" b="1" dirty="0">
+              <a:latin typeface="Meiryo UI" panose="020B0604030504040204" charset="-128"/>
+              <a:ea typeface="Meiryo UI" panose="020B0604030504040204" charset="-128"/>
+              <a:cs typeface="Meiryo UI" panose="020B0604030504040204" charset="-128"/>
+              <a:sym typeface="+mn-ea"/>
+            </a:endParaRPr>
+          </a:p>
+          <a:p>
+            <a:pPr marL="285750" indent="-285750" algn="l">
+              <a:buClr>
+                <a:srgbClr val="C00000"/>
+              </a:buClr>
+              <a:buFont typeface="Wingdings" panose="05000000000000000000" charset="0"/>
+              <a:buChar char="p"/>
+            </a:pPr>
+            <a:r>
+              <a:rPr lang="en-US" altLang="zh-CN" sz="900" b="1" dirty="0">
+                <a:latin typeface="Meiryo UI" panose="020B0604030504040204" charset="-128"/>
+                <a:ea typeface="Meiryo UI" panose="020B0604030504040204" charset="-128"/>
+                <a:cs typeface="Meiryo UI" panose="020B0604030504040204" charset="-128"/>
+                <a:sym typeface="+mn-ea"/>
+              </a:rPr>
+              <a:t>VSCode</a:t>
+            </a:r>
+            <a:r>
+              <a:rPr lang="zh-CN" altLang="en-US" sz="900" b="1" dirty="0">
+                <a:latin typeface="Meiryo UI" panose="020B0604030504040204" charset="-128"/>
+                <a:ea typeface="宋体" pitchFamily="2" charset="-122"/>
+                <a:cs typeface="Meiryo UI" panose="020B0604030504040204" charset="-128"/>
+                <a:sym typeface="+mn-ea"/>
+              </a:rPr>
+              <a:t>：</a:t>
+            </a:r>
+            <a:r>
+              <a:rPr lang="ja-JP" altLang="en-US" sz="900" dirty="0">
+                <a:latin typeface="Meiryo UI" panose="020B0604030504040204" charset="-128"/>
+                <a:ea typeface="Meiryo UI" panose="020B0604030504040204" charset="-128"/>
+                <a:cs typeface="Meiryo UI" panose="020B0604030504040204" charset="-128"/>
+                <a:sym typeface="+mn-ea"/>
+              </a:rPr>
+              <a:t>Visual Studio Code（略称VSCode）は、マイクロソフトが開発したフリーツールであり、コード編集、バージョン管理ができる；</a:t>
+            </a:r>
+            <a:endParaRPr lang="en-US" altLang="ja-JP" sz="900" dirty="0">
+              <a:latin typeface="Meiryo UI" panose="020B0604030504040204" charset="-128"/>
+              <a:ea typeface="Meiryo UI" panose="020B0604030504040204" charset="-128"/>
+              <a:cs typeface="Meiryo UI" panose="020B0604030504040204" charset="-128"/>
+              <a:sym typeface="+mn-ea"/>
+            </a:endParaRPr>
+          </a:p>
+          <a:p>
+            <a:pPr marL="285750" indent="-285750" algn="l">
+              <a:buClr>
+                <a:srgbClr val="C00000"/>
+              </a:buClr>
+              <a:buFont typeface="Wingdings" panose="05000000000000000000" charset="0"/>
+              <a:buChar char="p"/>
+            </a:pPr>
+            <a:r>
+              <a:rPr lang="en-US" altLang="zh-CN" sz="900" b="1" dirty="0">
+                <a:latin typeface="Meiryo UI" panose="020B0604030504040204" charset="-128"/>
+                <a:ea typeface="宋体" pitchFamily="2" charset="-122"/>
+                <a:cs typeface="Meiryo UI" panose="020B0604030504040204" charset="-128"/>
+                <a:sym typeface="+mn-ea"/>
+              </a:rPr>
+              <a:t>LLM</a:t>
+            </a:r>
+            <a:r>
+              <a:rPr lang="zh-CN" altLang="en-US" sz="900" b="1" dirty="0">
+                <a:latin typeface="Meiryo UI" panose="020B0604030504040204" charset="-128"/>
+                <a:ea typeface="宋体" pitchFamily="2" charset="-122"/>
+                <a:cs typeface="Meiryo UI" panose="020B0604030504040204" charset="-128"/>
+                <a:sym typeface="+mn-ea"/>
+              </a:rPr>
+              <a:t>：</a:t>
+            </a:r>
+            <a:r>
+              <a:rPr lang="ja-JP" altLang="en-US" sz="900" dirty="0">
+                <a:latin typeface="Meiryo UI" panose="020B0604030504040204" charset="-128"/>
+                <a:ea typeface="Meiryo UI" panose="020B0604030504040204" charset="-128"/>
+                <a:cs typeface="Meiryo UI" panose="020B0604030504040204" charset="-128"/>
+                <a:sym typeface="+mn-ea"/>
+              </a:rPr>
+              <a:t>Large Language Model（略称LLM）は、情報分析と整合を行う。本案件では、</a:t>
+            </a:r>
+            <a:r>
+              <a:rPr lang="en-US" altLang="ja-JP" sz="900" dirty="0">
+                <a:latin typeface="Meiryo UI" panose="020B0604030504040204" charset="-128"/>
+                <a:ea typeface="Meiryo UI" panose="020B0604030504040204" charset="-128"/>
+                <a:cs typeface="Meiryo UI" panose="020B0604030504040204" charset="-128"/>
+                <a:sym typeface="+mn-ea"/>
+              </a:rPr>
+              <a:t>DeepSeek</a:t>
+            </a:r>
+            <a:r>
+              <a:rPr lang="ja-JP" altLang="en-US" sz="900" dirty="0">
+                <a:latin typeface="Meiryo UI" panose="020B0604030504040204" charset="-128"/>
+                <a:ea typeface="Meiryo UI" panose="020B0604030504040204" charset="-128"/>
+                <a:cs typeface="Meiryo UI" panose="020B0604030504040204" charset="-128"/>
+                <a:sym typeface="+mn-ea"/>
+              </a:rPr>
+              <a:t>或いは</a:t>
+            </a:r>
+            <a:r>
+              <a:rPr lang="en-US" altLang="ja-JP" sz="900" dirty="0" err="1">
+                <a:latin typeface="Meiryo UI" panose="020B0604030504040204" charset="-128"/>
+                <a:ea typeface="Meiryo UI" panose="020B0604030504040204" charset="-128"/>
+                <a:cs typeface="Meiryo UI" panose="020B0604030504040204" charset="-128"/>
+                <a:sym typeface="+mn-ea"/>
+              </a:rPr>
+              <a:t>LLaMA</a:t>
+            </a:r>
+            <a:r>
+              <a:rPr lang="ja-JP" altLang="en-US" sz="900" dirty="0">
+                <a:latin typeface="Meiryo UI" panose="020B0604030504040204" charset="-128"/>
+                <a:ea typeface="Meiryo UI" panose="020B0604030504040204" charset="-128"/>
+                <a:cs typeface="Meiryo UI" panose="020B0604030504040204" charset="-128"/>
+                <a:sym typeface="+mn-ea"/>
+              </a:rPr>
+              <a:t>が使える；</a:t>
+            </a:r>
+            <a:endParaRPr lang="en-US" altLang="ja-JP" sz="900" dirty="0">
+              <a:latin typeface="Meiryo UI" panose="020B0604030504040204" charset="-128"/>
+              <a:ea typeface="Meiryo UI" panose="020B0604030504040204" charset="-128"/>
+              <a:cs typeface="Meiryo UI" panose="020B0604030504040204" charset="-128"/>
+              <a:sym typeface="+mn-ea"/>
+            </a:endParaRPr>
+          </a:p>
+          <a:p>
+            <a:pPr marL="285750" indent="-285750" algn="l">
+              <a:buClr>
+                <a:srgbClr val="C00000"/>
+              </a:buClr>
+              <a:buFont typeface="Wingdings" panose="05000000000000000000" charset="0"/>
+              <a:buChar char="p"/>
+            </a:pPr>
+            <a:r>
+              <a:rPr lang="en-US" altLang="zh-CN" sz="900" b="1" dirty="0">
+                <a:latin typeface="Meiryo UI" panose="020B0604030504040204" charset="-128"/>
+                <a:ea typeface="Meiryo UI" panose="020B0604030504040204" charset="-128"/>
+                <a:cs typeface="Meiryo UI" panose="020B0604030504040204" charset="-128"/>
+                <a:sym typeface="+mn-ea"/>
+              </a:rPr>
+              <a:t>Continue</a:t>
+            </a:r>
+            <a:r>
+              <a:rPr lang="zh-CN" altLang="en-US" sz="900" dirty="0">
+                <a:latin typeface="Meiryo UI" panose="020B0604030504040204" charset="-128"/>
+                <a:ea typeface="Meiryo UI" panose="020B0604030504040204" charset="-128"/>
+                <a:cs typeface="Meiryo UI" panose="020B0604030504040204" charset="-128"/>
+                <a:sym typeface="+mn-ea"/>
+              </a:rPr>
+              <a:t>：</a:t>
+            </a:r>
+            <a:r>
+              <a:rPr kumimoji="1" lang="en-US" altLang="zh-CN" sz="900" dirty="0">
+                <a:latin typeface="Meiryo UI" panose="020B0604030504040204" charset="-128"/>
+                <a:ea typeface="Meiryo UI" panose="020B0604030504040204" charset="-128"/>
+                <a:cs typeface="Meiryo UI" panose="020B0604030504040204" charset="-128"/>
+              </a:rPr>
+              <a:t>VS Code</a:t>
+            </a:r>
+            <a:r>
+              <a:rPr kumimoji="1" lang="ja-JP" altLang="en-US" sz="900" dirty="0">
+                <a:latin typeface="Meiryo UI" panose="020B0604030504040204" charset="-128"/>
+                <a:ea typeface="Meiryo UI" panose="020B0604030504040204" charset="-128"/>
+                <a:cs typeface="Meiryo UI" panose="020B0604030504040204" charset="-128"/>
+              </a:rPr>
+              <a:t>のプラグインであり</a:t>
+            </a:r>
+            <a:r>
+              <a:rPr kumimoji="1" lang="zh-CN" altLang="en-US" sz="900" dirty="0">
+                <a:latin typeface="Meiryo UI" panose="020B0604030504040204" charset="-128"/>
+                <a:ea typeface="Meiryo UI" panose="020B0604030504040204" charset="-128"/>
+                <a:cs typeface="Meiryo UI" panose="020B0604030504040204" charset="-128"/>
+              </a:rPr>
+              <a:t>、</a:t>
+            </a:r>
+            <a:r>
+              <a:rPr kumimoji="1" lang="ja-JP" altLang="en-US" sz="900" dirty="0">
+                <a:latin typeface="Meiryo UI" panose="020B0604030504040204" charset="-128"/>
+                <a:ea typeface="Meiryo UI" panose="020B0604030504040204" charset="-128"/>
+                <a:cs typeface="Meiryo UI" panose="020B0604030504040204" charset="-128"/>
+              </a:rPr>
+              <a:t>光庭はこれを利用して</a:t>
+            </a:r>
+            <a:r>
+              <a:rPr kumimoji="1" lang="en-US" altLang="ja-JP" sz="900" dirty="0">
+                <a:latin typeface="Meiryo UI" panose="020B0604030504040204" charset="-128"/>
+                <a:ea typeface="Meiryo UI" panose="020B0604030504040204" charset="-128"/>
+                <a:cs typeface="Meiryo UI" panose="020B0604030504040204" charset="-128"/>
+              </a:rPr>
+              <a:t>Agent</a:t>
+            </a:r>
+            <a:r>
+              <a:rPr kumimoji="1" lang="ja-JP" altLang="en-US" sz="900" dirty="0">
+                <a:latin typeface="Meiryo UI" panose="020B0604030504040204" charset="-128"/>
+                <a:ea typeface="Meiryo UI" panose="020B0604030504040204" charset="-128"/>
+                <a:cs typeface="Meiryo UI" panose="020B0604030504040204" charset="-128"/>
+              </a:rPr>
+              <a:t>を開発して、</a:t>
+            </a:r>
+            <a:r>
+              <a:rPr kumimoji="1" lang="en-US" altLang="ja-JP" sz="900" dirty="0" err="1">
+                <a:latin typeface="Meiryo UI" panose="020B0604030504040204" charset="-128"/>
+                <a:ea typeface="Meiryo UI" panose="020B0604030504040204" charset="-128"/>
+                <a:cs typeface="Meiryo UI" panose="020B0604030504040204" charset="-128"/>
+              </a:rPr>
+              <a:t>GraphRAG</a:t>
+            </a:r>
+            <a:r>
+              <a:rPr kumimoji="1" lang="ja-JP" altLang="en-US" sz="900" dirty="0">
+                <a:latin typeface="Meiryo UI" panose="020B0604030504040204" charset="-128"/>
+                <a:ea typeface="Meiryo UI" panose="020B0604030504040204" charset="-128"/>
+                <a:cs typeface="Meiryo UI" panose="020B0604030504040204" charset="-128"/>
+              </a:rPr>
+              <a:t>と</a:t>
+            </a:r>
+            <a:r>
+              <a:rPr kumimoji="1" lang="en-US" altLang="ja-JP" sz="900" dirty="0">
+                <a:latin typeface="Meiryo UI" panose="020B0604030504040204" charset="-128"/>
+                <a:ea typeface="Meiryo UI" panose="020B0604030504040204" charset="-128"/>
+                <a:cs typeface="Meiryo UI" panose="020B0604030504040204" charset="-128"/>
+              </a:rPr>
+              <a:t>LLM</a:t>
+            </a:r>
+            <a:r>
+              <a:rPr kumimoji="1" lang="ja-JP" altLang="en-US" sz="900" dirty="0">
+                <a:latin typeface="Meiryo UI" panose="020B0604030504040204" charset="-128"/>
+                <a:ea typeface="Meiryo UI" panose="020B0604030504040204" charset="-128"/>
+                <a:cs typeface="Meiryo UI" panose="020B0604030504040204" charset="-128"/>
+              </a:rPr>
+              <a:t>とやり取りを行い、コード変更範囲分析や変更後コードの整合性検査を行う。</a:t>
+            </a:r>
+            <a:endParaRPr kumimoji="1" lang="en-US" altLang="zh-CN" sz="900" dirty="0">
+              <a:latin typeface="Meiryo UI" panose="020B0604030504040204" charset="-128"/>
+              <a:ea typeface="Meiryo UI" panose="020B0604030504040204" charset="-128"/>
+              <a:cs typeface="Meiryo UI" panose="020B0604030504040204" charset="-128"/>
+            </a:endParaRPr>
+          </a:p>
+          <a:p>
+            <a:pPr algn="l">
+              <a:buClr>
+                <a:srgbClr val="C00000"/>
+              </a:buClr>
+            </a:pPr>
+            <a:r>
+              <a:rPr lang="ja-JP" altLang="en-US" sz="900" dirty="0">
                 <a:solidFill>
-                  <a:sysClr val="windowText" lastClr="000000"/>
+                  <a:srgbClr val="C00000"/>
                 </a:solidFill>
-                <a:latin typeface="Meiryo UI" charset="0"/>
-                <a:ea typeface="Meiryo UI" charset="0"/>
-                <a:sym typeface="Meiryo UI" charset="0"/>
-              </a:rPr>
-              <a:t>コード</a:t>
-            </a:r>
-            <a:r>
-              <a:rPr lang="zh-CN" altLang="en-US" dirty="0">
+                <a:latin typeface="Meiryo UI" panose="020B0604030504040204" charset="-128"/>
+                <a:ea typeface="Meiryo UI" panose="020B0604030504040204" charset="-128"/>
+                <a:cs typeface="Meiryo UI" panose="020B0604030504040204" charset="-128"/>
+              </a:rPr>
+              <a:t>　　　　　　　　　　　</a:t>
+            </a:r>
+            <a:r>
+              <a:rPr lang="ja-JP" altLang="en-US" sz="900" dirty="0">
+                <a:latin typeface="Meiryo UI" panose="020B0604030504040204" charset="-128"/>
+                <a:ea typeface="Meiryo UI" panose="020B0604030504040204" charset="-128"/>
+              </a:rPr>
+              <a:t>本案件で利用した</a:t>
+            </a:r>
+            <a:r>
+              <a:rPr lang="en-US" altLang="zh-CN" sz="900" dirty="0">
+                <a:latin typeface="Meiryo UI" panose="020B0604030504040204" charset="-128"/>
+                <a:ea typeface="Meiryo UI" panose="020B0604030504040204" charset="-128"/>
+                <a:sym typeface="+mn-ea"/>
+              </a:rPr>
+              <a:t>Continue</a:t>
+            </a:r>
+            <a:r>
+              <a:rPr lang="ja-JP" altLang="en-US" sz="900" dirty="0">
+                <a:latin typeface="Meiryo UI" panose="020B0604030504040204" charset="-128"/>
+                <a:ea typeface="Meiryo UI" panose="020B0604030504040204" charset="-128"/>
+                <a:sym typeface="+mn-ea"/>
+              </a:rPr>
+              <a:t>のソースコードは、</a:t>
+            </a:r>
+            <a:r>
+              <a:rPr kumimoji="1" lang="en-US" altLang="zh-CN" sz="900" dirty="0" err="1">
+                <a:latin typeface="Meiryo UI" panose="020B0604030504040204" charset="-128"/>
+                <a:ea typeface="Meiryo UI" panose="020B0604030504040204" charset="-128"/>
+                <a:cs typeface="Meiryo UI" panose="020B0604030504040204" charset="-128"/>
+                <a:hlinkClick r:id="rId7" action="ppaction://hlinkfile"/>
+              </a:rPr>
+              <a:t>Github</a:t>
+            </a:r>
+            <a:r>
+              <a:rPr kumimoji="1" lang="ja-JP" altLang="en-US" sz="900" dirty="0">
+                <a:latin typeface="Meiryo UI" panose="020B0604030504040204" charset="-128"/>
+                <a:ea typeface="Meiryo UI" panose="020B0604030504040204" charset="-128"/>
+                <a:cs typeface="Meiryo UI" panose="020B0604030504040204" charset="-128"/>
+                <a:hlinkClick r:id="rId7" action="ppaction://hlinkfile"/>
+              </a:rPr>
+              <a:t>プロジェクトのリンク</a:t>
+            </a:r>
+            <a:r>
+              <a:rPr kumimoji="1" lang="ja-JP" altLang="en-US" sz="900" dirty="0">
+                <a:latin typeface="Meiryo UI" panose="020B0604030504040204" charset="-128"/>
+                <a:ea typeface="Meiryo UI" panose="020B0604030504040204" charset="-128"/>
+                <a:cs typeface="Meiryo UI" panose="020B0604030504040204" charset="-128"/>
+              </a:rPr>
+              <a:t>にご参照。</a:t>
+            </a:r>
+            <a:endParaRPr kumimoji="1" lang="ja-JP" altLang="en-US" sz="900" dirty="0">
+              <a:latin typeface="Meiryo UI" panose="020B0604030504040204" charset="-128"/>
+              <a:ea typeface="Meiryo UI" panose="020B0604030504040204" charset="-128"/>
+              <a:cs typeface="Meiryo UI" panose="020B0604030504040204" charset="-128"/>
+            </a:endParaRPr>
+          </a:p>
+          <a:p>
+            <a:pPr marL="285750" indent="-285750">
+              <a:buClr>
+                <a:srgbClr val="C00000"/>
+              </a:buClr>
+              <a:buFont typeface="Wingdings" panose="05000000000000000000" charset="0"/>
+              <a:buChar char="p"/>
+            </a:pPr>
+            <a:r>
+              <a:rPr kumimoji="1" lang="en-US" altLang="zh-CN" sz="900" b="1" dirty="0" err="1">
+                <a:latin typeface="Meiryo UI" panose="020B0604030504040204" charset="-128"/>
+                <a:ea typeface="Meiryo UI" panose="020B0604030504040204" charset="-128"/>
+                <a:cs typeface="Meiryo UI" panose="020B0604030504040204" charset="-128"/>
+              </a:rPr>
+              <a:t>GraphRAG</a:t>
+            </a:r>
+            <a:r>
+              <a:rPr kumimoji="1" lang="zh-CN" altLang="en-US" sz="900" dirty="0">
+                <a:latin typeface="Meiryo UI" panose="020B0604030504040204" charset="-128"/>
+                <a:ea typeface="Meiryo UI" panose="020B0604030504040204" charset="-128"/>
+                <a:cs typeface="Meiryo UI" panose="020B0604030504040204" charset="-128"/>
+              </a:rPr>
+              <a:t>：</a:t>
+            </a:r>
+            <a:r>
+              <a:rPr kumimoji="1" lang="ja-JP" altLang="en-US" sz="900" dirty="0">
+                <a:latin typeface="Meiryo UI" panose="020B0604030504040204" charset="-128"/>
+                <a:ea typeface="Meiryo UI" panose="020B0604030504040204" charset="-128"/>
+                <a:cs typeface="Meiryo UI" panose="020B0604030504040204" charset="-128"/>
+              </a:rPr>
+              <a:t>マイクロソフトが</a:t>
+            </a:r>
+            <a:r>
+              <a:rPr kumimoji="1" lang="zh-CN" altLang="en-US" sz="900" dirty="0">
+                <a:latin typeface="Meiryo UI" panose="020B0604030504040204" charset="-128"/>
+                <a:ea typeface="Meiryo UI" panose="020B0604030504040204" charset="-128"/>
+                <a:cs typeface="Meiryo UI" panose="020B0604030504040204" charset="-128"/>
+              </a:rPr>
+              <a:t>開発</a:t>
+            </a:r>
+            <a:r>
+              <a:rPr kumimoji="1" lang="ja-JP" altLang="en-US" sz="900" dirty="0">
+                <a:latin typeface="Meiryo UI" panose="020B0604030504040204" charset="-128"/>
+                <a:ea typeface="Meiryo UI" panose="020B0604030504040204" charset="-128"/>
+                <a:cs typeface="Meiryo UI" panose="020B0604030504040204" charset="-128"/>
+              </a:rPr>
+              <a:t>した</a:t>
+            </a:r>
+            <a:r>
+              <a:rPr kumimoji="1" lang="zh-CN" altLang="en-US" sz="900" dirty="0">
+                <a:latin typeface="Meiryo UI" panose="020B0604030504040204" charset="-128"/>
+                <a:ea typeface="Meiryo UI" panose="020B0604030504040204" charset="-128"/>
+                <a:cs typeface="Meiryo UI" panose="020B0604030504040204" charset="-128"/>
+              </a:rPr>
+              <a:t>知識</a:t>
+            </a:r>
+            <a:r>
+              <a:rPr kumimoji="1" lang="ja-JP" altLang="en-US" sz="900" dirty="0">
+                <a:latin typeface="Meiryo UI" panose="020B0604030504040204" charset="-128"/>
+                <a:ea typeface="Meiryo UI" panose="020B0604030504040204" charset="-128"/>
+                <a:cs typeface="Meiryo UI" panose="020B0604030504040204" charset="-128"/>
+              </a:rPr>
+              <a:t>グラフに</a:t>
+            </a:r>
+            <a:r>
+              <a:rPr kumimoji="1" lang="zh-CN" altLang="en-US" sz="900" dirty="0">
+                <a:latin typeface="Meiryo UI" panose="020B0604030504040204" charset="-128"/>
+                <a:ea typeface="Meiryo UI" panose="020B0604030504040204" charset="-128"/>
+                <a:cs typeface="Meiryo UI" panose="020B0604030504040204" charset="-128"/>
+              </a:rPr>
+              <a:t>基</a:t>
+            </a:r>
+            <a:r>
+              <a:rPr kumimoji="1" lang="ja-JP" altLang="en-US" sz="900" dirty="0">
+                <a:latin typeface="Meiryo UI" panose="020B0604030504040204" charset="-128"/>
+                <a:ea typeface="Meiryo UI" panose="020B0604030504040204" charset="-128"/>
+                <a:cs typeface="Meiryo UI" panose="020B0604030504040204" charset="-128"/>
+              </a:rPr>
+              <a:t>づく</a:t>
+            </a:r>
+            <a:r>
+              <a:rPr kumimoji="1" lang="zh-CN" altLang="en-US" sz="900" dirty="0">
+                <a:latin typeface="Meiryo UI" panose="020B0604030504040204" charset="-128"/>
+                <a:ea typeface="Meiryo UI" panose="020B0604030504040204" charset="-128"/>
+                <a:cs typeface="Meiryo UI" panose="020B0604030504040204" charset="-128"/>
+              </a:rPr>
+              <a:t>強化検索生成（</a:t>
+            </a:r>
+            <a:r>
+              <a:rPr kumimoji="1" lang="en-US" altLang="zh-CN" sz="900" dirty="0">
+                <a:latin typeface="Meiryo UI" panose="020B0604030504040204" charset="-128"/>
+                <a:ea typeface="Meiryo UI" panose="020B0604030504040204" charset="-128"/>
+                <a:cs typeface="Meiryo UI" panose="020B0604030504040204" charset="-128"/>
+              </a:rPr>
+              <a:t>RAG</a:t>
+            </a:r>
+            <a:r>
+              <a:rPr kumimoji="1" lang="zh-CN" altLang="en-US" sz="900" dirty="0">
+                <a:latin typeface="Meiryo UI" panose="020B0604030504040204" charset="-128"/>
+                <a:ea typeface="Meiryo UI" panose="020B0604030504040204" charset="-128"/>
+                <a:cs typeface="Meiryo UI" panose="020B0604030504040204" charset="-128"/>
+              </a:rPr>
+              <a:t>）</a:t>
+            </a:r>
+            <a:r>
+              <a:rPr kumimoji="1" lang="ja-JP" altLang="en-US" sz="900" dirty="0">
+                <a:latin typeface="Meiryo UI" panose="020B0604030504040204" charset="-128"/>
+                <a:ea typeface="Meiryo UI" panose="020B0604030504040204" charset="-128"/>
+                <a:cs typeface="Meiryo UI" panose="020B0604030504040204" charset="-128"/>
+              </a:rPr>
+              <a:t>フレームワークで</a:t>
+            </a:r>
+            <a:r>
+              <a:rPr lang="ja-JP" altLang="en-US" sz="900" dirty="0">
+                <a:latin typeface="Meiryo UI" panose="020B0604030504040204" charset="-128"/>
+                <a:ea typeface="Meiryo UI" panose="020B0604030504040204" charset="-128"/>
+                <a:cs typeface="Meiryo UI" panose="020B0604030504040204" charset="-128"/>
+              </a:rPr>
+              <a:t>ある。</a:t>
+            </a:r>
+            <a:r>
+              <a:rPr lang="ja-JP" altLang="en-US" sz="900" dirty="0">
+                <a:latin typeface="Meiryo UI" panose="020B0604030504040204" charset="-128"/>
+                <a:ea typeface="Meiryo UI" panose="020B0604030504040204" charset="-128"/>
+              </a:rPr>
+              <a:t>本案件で利用した</a:t>
+            </a:r>
+            <a:r>
+              <a:rPr lang="ja-JP" altLang="en-US" sz="900" dirty="0">
+                <a:latin typeface="Meiryo UI" panose="020B0604030504040204" charset="-128"/>
+                <a:ea typeface="Meiryo UI" panose="020B0604030504040204" charset="-128"/>
+                <a:hlinkClick r:id="rId8" action="ppaction://hlinkfile"/>
+              </a:rPr>
+              <a:t>ソースコードは</a:t>
+            </a:r>
+            <a:r>
+              <a:rPr kumimoji="1" lang="ja-JP" altLang="en-US" sz="900" dirty="0">
+                <a:latin typeface="Meiryo UI" panose="020B0604030504040204" charset="-128"/>
+                <a:ea typeface="Meiryo UI" panose="020B0604030504040204" charset="-128"/>
+                <a:cs typeface="Meiryo UI" panose="020B0604030504040204" charset="-128"/>
+                <a:hlinkClick r:id="rId8" action="ppaction://hlinkfile"/>
+              </a:rPr>
+              <a:t>、</a:t>
+            </a:r>
+            <a:r>
+              <a:rPr kumimoji="1" lang="en-US" altLang="zh-CN" sz="900" dirty="0" err="1">
+                <a:latin typeface="Meiryo UI" panose="020B0604030504040204" charset="-128"/>
+                <a:ea typeface="Meiryo UI" panose="020B0604030504040204" charset="-128"/>
+                <a:cs typeface="Meiryo UI" panose="020B0604030504040204" charset="-128"/>
+                <a:hlinkClick r:id="rId8" action="ppaction://hlinkfile"/>
+              </a:rPr>
+              <a:t>Github</a:t>
+            </a:r>
+            <a:r>
+              <a:rPr kumimoji="1" lang="ja-JP" altLang="en-US" sz="900" dirty="0">
+                <a:latin typeface="Meiryo UI" panose="020B0604030504040204" charset="-128"/>
+                <a:ea typeface="Meiryo UI" panose="020B0604030504040204" charset="-128"/>
+                <a:cs typeface="Meiryo UI" panose="020B0604030504040204" charset="-128"/>
+                <a:hlinkClick r:id="rId8" action="ppaction://hlinkfile"/>
+              </a:rPr>
+              <a:t>プロジェクトのリンク</a:t>
+            </a:r>
+            <a:r>
+              <a:rPr kumimoji="1" lang="ja-JP" altLang="en-US" sz="900" dirty="0">
+                <a:latin typeface="Meiryo UI" panose="020B0604030504040204" charset="-128"/>
+                <a:ea typeface="Meiryo UI" panose="020B0604030504040204" charset="-128"/>
+                <a:cs typeface="Meiryo UI" panose="020B0604030504040204" charset="-128"/>
+              </a:rPr>
+              <a:t>にご参照</a:t>
+            </a:r>
+            <a:r>
+              <a:rPr lang="ja-JP" altLang="en-US" sz="900" dirty="0">
+                <a:latin typeface="Meiryo UI" panose="020B0604030504040204" charset="-128"/>
+                <a:ea typeface="Meiryo UI" panose="020B0604030504040204" charset="-128"/>
+                <a:cs typeface="Meiryo UI" panose="020B0604030504040204" charset="-128"/>
+              </a:rPr>
+              <a:t>。</a:t>
+            </a:r>
+            <a:endParaRPr lang="en-US" altLang="ja-JP" sz="900" dirty="0">
+              <a:latin typeface="Meiryo UI" panose="020B0604030504040204" charset="-128"/>
+              <a:ea typeface="Meiryo UI" panose="020B0604030504040204" charset="-128"/>
+              <a:cs typeface="Meiryo UI" panose="020B0604030504040204" charset="-128"/>
+            </a:endParaRPr>
+          </a:p>
+        </p:txBody>
+      </p:sp>
+      <p:sp>
+        <p:nvSpPr>
+          <p:cNvPr id="15" name="文本框 14"/>
+          <p:cNvSpPr txBox="1"/>
+          <p:nvPr/>
+        </p:nvSpPr>
+        <p:spPr>
+          <a:xfrm>
+            <a:off x="6954203" y="2684813"/>
+            <a:ext cx="529388" cy="299085"/>
+          </a:xfrm>
+          <a:prstGeom prst="rect">
+            <a:avLst/>
+          </a:prstGeom>
+          <a:noFill/>
+        </p:spPr>
+        <p:txBody>
+          <a:bodyPr wrap="square" rtlCol="0">
+            <a:spAutoFit/>
+          </a:bodyPr>
+          <a:lstStyle/>
+          <a:p>
+            <a:pPr algn="l"/>
+            <a:r>
+              <a:rPr kumimoji="1" lang="en-US" altLang="ja-JP" sz="1350" dirty="0">
+                <a:ea typeface="Meiryo" panose="020B0604030504040204" pitchFamily="50" charset="-128"/>
+                <a:cs typeface="+mn-lt"/>
+              </a:rPr>
+              <a:t>OR</a:t>
+            </a:r>
+            <a:endParaRPr kumimoji="1" lang="en-US" altLang="ja-JP" sz="1350" dirty="0">
+              <a:ea typeface="Meiryo" panose="020B0604030504040204" pitchFamily="50" charset="-128"/>
+              <a:cs typeface="+mn-lt"/>
+            </a:endParaRPr>
+          </a:p>
+        </p:txBody>
+      </p:sp>
+      <p:sp>
+        <p:nvSpPr>
+          <p:cNvPr id="47" name="右箭头 46"/>
+          <p:cNvSpPr/>
+          <p:nvPr/>
+        </p:nvSpPr>
+        <p:spPr>
+          <a:xfrm rot="5400000">
+            <a:off x="305007" y="2686414"/>
+            <a:ext cx="1082696" cy="105306"/>
+          </a:xfrm>
+          <a:prstGeom prst="rightArrow">
+            <a:avLst/>
+          </a:prstGeom>
+        </p:spPr>
+        <p:style>
+          <a:lnRef idx="2">
+            <a:schemeClr val="accent1">
+              <a:shade val="50000"/>
+            </a:schemeClr>
+          </a:lnRef>
+          <a:fillRef idx="1">
+            <a:schemeClr val="accent1"/>
+          </a:fillRef>
+          <a:effectRef idx="0">
+            <a:schemeClr val="accent1"/>
+          </a:effectRef>
+          <a:fontRef idx="minor">
+            <a:schemeClr val="lt1"/>
+          </a:fontRef>
+        </p:style>
+        <p:txBody>
+          <a:bodyPr rtlCol="0" anchor="ctr"/>
+          <a:lstStyle/>
+          <a:p>
+            <a:pPr algn="ctr"/>
+            <a:endParaRPr lang="zh-CN" altLang="en-US" sz="1350">
+              <a:cs typeface="+mn-lt"/>
+            </a:endParaRPr>
+          </a:p>
+        </p:txBody>
+      </p:sp>
+      <p:sp>
+        <p:nvSpPr>
+          <p:cNvPr id="52" name="右箭头 51"/>
+          <p:cNvSpPr/>
+          <p:nvPr/>
+        </p:nvSpPr>
+        <p:spPr>
+          <a:xfrm>
+            <a:off x="1846880" y="4308695"/>
+            <a:ext cx="690479" cy="86297"/>
+          </a:xfrm>
+          <a:prstGeom prst="rightArrow">
+            <a:avLst/>
+          </a:prstGeom>
+        </p:spPr>
+        <p:style>
+          <a:lnRef idx="2">
+            <a:schemeClr val="accent1">
+              <a:shade val="50000"/>
+            </a:schemeClr>
+          </a:lnRef>
+          <a:fillRef idx="1">
+            <a:schemeClr val="accent1"/>
+          </a:fillRef>
+          <a:effectRef idx="0">
+            <a:schemeClr val="accent1"/>
+          </a:effectRef>
+          <a:fontRef idx="minor">
+            <a:schemeClr val="lt1"/>
+          </a:fontRef>
+        </p:style>
+        <p:txBody>
+          <a:bodyPr rtlCol="0" anchor="ctr"/>
+          <a:lstStyle/>
+          <a:p>
+            <a:pPr algn="ctr"/>
+            <a:endParaRPr lang="zh-CN" altLang="en-US" sz="1350">
+              <a:cs typeface="+mn-lt"/>
+            </a:endParaRPr>
+          </a:p>
+        </p:txBody>
+      </p:sp>
+      <p:sp>
+        <p:nvSpPr>
+          <p:cNvPr id="53" name="文本框 52"/>
+          <p:cNvSpPr txBox="1"/>
+          <p:nvPr/>
+        </p:nvSpPr>
+        <p:spPr>
+          <a:xfrm>
+            <a:off x="1817727" y="4095319"/>
+            <a:ext cx="748784" cy="229870"/>
+          </a:xfrm>
+          <a:prstGeom prst="rect">
+            <a:avLst/>
+          </a:prstGeom>
+          <a:noFill/>
+        </p:spPr>
+        <p:txBody>
+          <a:bodyPr wrap="square" rtlCol="0">
+            <a:spAutoFit/>
+          </a:bodyPr>
+          <a:lstStyle/>
+          <a:p>
+            <a:pPr algn="l">
+              <a:buClrTx/>
+              <a:buSzTx/>
+              <a:buFontTx/>
+            </a:pPr>
+            <a:r>
+              <a:rPr lang="ja-JP" altLang="en-US" sz="900" dirty="0">
+                <a:ea typeface="+mn-lt"/>
+                <a:cs typeface="+mn-lt"/>
+              </a:rPr>
+              <a:t>審査要求</a:t>
+            </a:r>
+            <a:endParaRPr lang="ja-JP" altLang="zh-CN" sz="900" dirty="0">
+              <a:ea typeface="+mn-lt"/>
+              <a:cs typeface="+mn-lt"/>
+            </a:endParaRPr>
+          </a:p>
+        </p:txBody>
+      </p:sp>
+      <p:sp>
+        <p:nvSpPr>
+          <p:cNvPr id="54" name="右箭头 53"/>
+          <p:cNvSpPr/>
+          <p:nvPr/>
+        </p:nvSpPr>
+        <p:spPr>
+          <a:xfrm>
+            <a:off x="4861149" y="4310024"/>
+            <a:ext cx="1386490" cy="110970"/>
+          </a:xfrm>
+          <a:prstGeom prst="rightArrow">
+            <a:avLst/>
+          </a:prstGeom>
+          <a:solidFill>
+            <a:schemeClr val="accent2"/>
+          </a:solidFill>
+          <a:ln>
+            <a:noFill/>
+          </a:ln>
+        </p:spPr>
+        <p:style>
+          <a:lnRef idx="2">
+            <a:schemeClr val="accent1">
+              <a:shade val="50000"/>
+            </a:schemeClr>
+          </a:lnRef>
+          <a:fillRef idx="1">
+            <a:schemeClr val="accent1"/>
+          </a:fillRef>
+          <a:effectRef idx="0">
+            <a:schemeClr val="accent1"/>
+          </a:effectRef>
+          <a:fontRef idx="minor">
+            <a:schemeClr val="lt1"/>
+          </a:fontRef>
+        </p:style>
+        <p:txBody>
+          <a:bodyPr rtlCol="0" anchor="ctr"/>
+          <a:lstStyle/>
+          <a:p>
+            <a:pPr algn="ctr"/>
+            <a:endParaRPr lang="zh-CN" altLang="en-US" sz="1350">
+              <a:cs typeface="+mn-lt"/>
+            </a:endParaRPr>
+          </a:p>
+        </p:txBody>
+      </p:sp>
+      <p:sp>
+        <p:nvSpPr>
+          <p:cNvPr id="76" name="文本框 75"/>
+          <p:cNvSpPr txBox="1"/>
+          <p:nvPr/>
+        </p:nvSpPr>
+        <p:spPr>
+          <a:xfrm>
+            <a:off x="2736011" y="1974094"/>
+            <a:ext cx="1966301" cy="414020"/>
+          </a:xfrm>
+          <a:prstGeom prst="rect">
+            <a:avLst/>
+          </a:prstGeom>
+          <a:noFill/>
+        </p:spPr>
+        <p:txBody>
+          <a:bodyPr wrap="square" rtlCol="0">
+            <a:spAutoFit/>
+          </a:bodyPr>
+          <a:lstStyle/>
+          <a:p>
+            <a:r>
+              <a:rPr lang="en-US" altLang="ja-JP" sz="1050" b="1" dirty="0">
                 <a:solidFill>
-                  <a:sysClr val="windowText" lastClr="000000"/>
+                  <a:schemeClr val="tx1"/>
                 </a:solidFill>
-                <a:latin typeface="Meiryo UI" charset="0"/>
-                <a:ea typeface="Meiryo UI" charset="0"/>
-                <a:sym typeface="Meiryo UI" charset="0"/>
-              </a:rPr>
-              <a:t>審査</a:t>
-            </a:r>
-            <a:r>
-              <a:rPr lang="en-US" altLang="ja-JP" dirty="0">
+                <a:ea typeface="+mn-lt"/>
+              </a:rPr>
+              <a:t>Continue</a:t>
+            </a:r>
+            <a:r>
+              <a:rPr lang="ja-JP" altLang="en-US" sz="1050" b="1" dirty="0">
                 <a:solidFill>
-                  <a:sysClr val="windowText" lastClr="000000"/>
+                  <a:schemeClr val="tx1"/>
                 </a:solidFill>
-                <a:latin typeface="Meiryo UI" charset="0"/>
-                <a:ea typeface="Meiryo UI" charset="0"/>
-                <a:sym typeface="Meiryo UI" charset="0"/>
-              </a:rPr>
-              <a:t>AI</a:t>
-            </a:r>
-            <a:r>
-              <a:rPr lang="ja-JP" altLang="en-US" dirty="0">
+                <a:ea typeface="+mn-lt"/>
+              </a:rPr>
+              <a:t>（</a:t>
+            </a:r>
+            <a:r>
+              <a:rPr lang="en-US" altLang="ja-JP" sz="1050" b="1" dirty="0">
                 <a:solidFill>
-                  <a:sysClr val="windowText" lastClr="000000"/>
+                  <a:schemeClr val="tx1"/>
                 </a:solidFill>
-                <a:latin typeface="Meiryo UI" charset="0"/>
-                <a:ea typeface="Meiryo UI" charset="0"/>
-                <a:sym typeface="Meiryo UI" charset="0"/>
-              </a:rPr>
-              <a:t>ツールのシステム構成</a:t>
-            </a:r>
-            <a:endParaRPr lang="zh-CN" altLang="en-US" dirty="0">
+                <a:ea typeface="+mn-lt"/>
+              </a:rPr>
+              <a:t>Agent</a:t>
+            </a:r>
+            <a:r>
+              <a:rPr lang="ja-JP" altLang="en-US" sz="1050" b="1" dirty="0">
+                <a:solidFill>
+                  <a:schemeClr val="tx1"/>
+                </a:solidFill>
+                <a:ea typeface="+mn-lt"/>
+              </a:rPr>
+              <a:t>機能あり）</a:t>
+            </a:r>
+            <a:endParaRPr lang="en-US" altLang="ja-JP" sz="1050" b="1" dirty="0">
               <a:solidFill>
-                <a:sysClr val="windowText" lastClr="000000"/>
+                <a:schemeClr val="tx1"/>
               </a:solidFill>
-              <a:latin typeface="Meiryo UI" charset="0"/>
-              <a:ea typeface="Meiryo UI" charset="0"/>
+              <a:ea typeface="+mn-lt"/>
+            </a:endParaRPr>
+          </a:p>
+        </p:txBody>
+      </p:sp>
+      <p:sp>
+        <p:nvSpPr>
+          <p:cNvPr id="83" name="文本框 82"/>
+          <p:cNvSpPr txBox="1"/>
+          <p:nvPr/>
+        </p:nvSpPr>
+        <p:spPr>
+          <a:xfrm>
+            <a:off x="6811657" y="3969165"/>
+            <a:ext cx="983456" cy="252730"/>
+          </a:xfrm>
+          <a:prstGeom prst="rect">
+            <a:avLst/>
+          </a:prstGeom>
+          <a:noFill/>
+        </p:spPr>
+        <p:txBody>
+          <a:bodyPr wrap="square" rtlCol="0">
+            <a:spAutoFit/>
+          </a:bodyPr>
+          <a:lstStyle/>
+          <a:p>
+            <a:r>
+              <a:rPr lang="en-US" altLang="ja-JP" sz="1050" b="1" dirty="0" err="1">
+                <a:solidFill>
+                  <a:schemeClr val="tx1"/>
+                </a:solidFill>
+                <a:ea typeface="+mn-lt"/>
+              </a:rPr>
+              <a:t>GraphRAG</a:t>
+            </a:r>
+            <a:endParaRPr lang="en-US" altLang="ja-JP" sz="1050" b="1" dirty="0">
+              <a:solidFill>
+                <a:schemeClr val="tx1"/>
+              </a:solidFill>
+              <a:ea typeface="+mn-lt"/>
+            </a:endParaRPr>
+          </a:p>
+        </p:txBody>
+      </p:sp>
+      <p:sp>
+        <p:nvSpPr>
+          <p:cNvPr id="92" name="文本框 91"/>
+          <p:cNvSpPr txBox="1"/>
+          <p:nvPr/>
+        </p:nvSpPr>
+        <p:spPr>
+          <a:xfrm>
+            <a:off x="6954203" y="2062616"/>
+            <a:ext cx="437674" cy="414020"/>
+          </a:xfrm>
+          <a:prstGeom prst="rect">
+            <a:avLst/>
+          </a:prstGeom>
+          <a:noFill/>
+        </p:spPr>
+        <p:txBody>
+          <a:bodyPr wrap="square" rtlCol="0">
+            <a:spAutoFit/>
+          </a:bodyPr>
+          <a:lstStyle/>
+          <a:p>
+            <a:r>
+              <a:rPr lang="en-US" altLang="ja-JP" sz="1050" b="1" dirty="0">
+                <a:solidFill>
+                  <a:schemeClr val="tx1"/>
+                </a:solidFill>
+                <a:ea typeface="+mn-lt"/>
+              </a:rPr>
+              <a:t>LLM</a:t>
+            </a:r>
+            <a:endParaRPr lang="en-US" altLang="ja-JP" sz="1050" b="1" dirty="0">
+              <a:solidFill>
+                <a:schemeClr val="tx1"/>
+              </a:solidFill>
+              <a:ea typeface="+mn-lt"/>
+            </a:endParaRPr>
+          </a:p>
+        </p:txBody>
+      </p:sp>
+      <p:pic>
+        <p:nvPicPr>
+          <p:cNvPr id="11" name="图片 10"/>
+          <p:cNvPicPr>
+            <a:picLocks noChangeAspect="1"/>
+          </p:cNvPicPr>
+          <p:nvPr/>
+        </p:nvPicPr>
+        <p:blipFill>
+          <a:blip r:embed="rId9"/>
+          <a:stretch>
+            <a:fillRect/>
+          </a:stretch>
+        </p:blipFill>
+        <p:spPr>
+          <a:xfrm>
+            <a:off x="7385381" y="2575229"/>
+            <a:ext cx="1005364" cy="386582"/>
+          </a:xfrm>
+          <a:prstGeom prst="rect">
+            <a:avLst/>
+          </a:prstGeom>
+          <a:ln w="12700">
+            <a:solidFill>
+              <a:schemeClr val="tx1"/>
+            </a:solidFill>
+          </a:ln>
+        </p:spPr>
+      </p:pic>
+      <p:sp>
+        <p:nvSpPr>
+          <p:cNvPr id="12" name="文本框 11"/>
+          <p:cNvSpPr txBox="1"/>
+          <p:nvPr/>
+        </p:nvSpPr>
+        <p:spPr>
+          <a:xfrm>
+            <a:off x="5021518" y="3969165"/>
+            <a:ext cx="1139666" cy="278476"/>
+          </a:xfrm>
+          <a:prstGeom prst="rect">
+            <a:avLst/>
+          </a:prstGeom>
+          <a:noFill/>
+        </p:spPr>
+        <p:txBody>
+          <a:bodyPr wrap="square" rtlCol="0">
+            <a:noAutofit/>
+          </a:bodyPr>
+          <a:lstStyle/>
+          <a:p>
+            <a:r>
+              <a:rPr lang="ja-JP" altLang="en-US" sz="900" dirty="0">
+                <a:ea typeface="+mn-lt"/>
+                <a:cs typeface="+mn-lt"/>
+                <a:sym typeface="+mn-ea"/>
+              </a:rPr>
+              <a:t>コード関連</a:t>
+            </a:r>
+            <a:r>
+              <a:rPr lang="zh-CN" altLang="en-US" sz="900" dirty="0">
+                <a:ea typeface="+mn-lt"/>
+                <a:cs typeface="+mn-lt"/>
+                <a:sym typeface="+mn-ea"/>
+              </a:rPr>
+              <a:t>情報</a:t>
+            </a:r>
+            <a:r>
+              <a:rPr lang="ja-JP" altLang="en-US" sz="900" dirty="0">
+                <a:ea typeface="+mn-lt"/>
+                <a:cs typeface="+mn-lt"/>
+                <a:sym typeface="+mn-ea"/>
+              </a:rPr>
+              <a:t>を</a:t>
+            </a:r>
+            <a:endParaRPr lang="en-US" altLang="ja-JP" sz="900" dirty="0">
+              <a:ea typeface="+mn-lt"/>
+              <a:cs typeface="+mn-lt"/>
+              <a:sym typeface="+mn-ea"/>
+            </a:endParaRPr>
+          </a:p>
+          <a:p>
+            <a:r>
+              <a:rPr lang="ja-JP" altLang="en-US" sz="900" dirty="0">
+                <a:ea typeface="+mn-lt"/>
+                <a:cs typeface="+mn-lt"/>
+                <a:sym typeface="+mn-ea"/>
+              </a:rPr>
+              <a:t>ナレッジ</a:t>
+            </a:r>
+            <a:r>
+              <a:rPr lang="en-US" altLang="ja-JP" sz="900" dirty="0">
+                <a:ea typeface="+mn-lt"/>
+                <a:cs typeface="+mn-lt"/>
+                <a:sym typeface="+mn-ea"/>
+              </a:rPr>
+              <a:t>DB</a:t>
+            </a:r>
+            <a:r>
+              <a:rPr lang="ja-JP" altLang="en-US" sz="900" dirty="0">
+                <a:ea typeface="+mn-lt"/>
+                <a:cs typeface="+mn-lt"/>
+                <a:sym typeface="+mn-ea"/>
+              </a:rPr>
+              <a:t>へ保存</a:t>
+            </a:r>
+            <a:endParaRPr lang="ja-JP" altLang="zh-CN" sz="900" dirty="0">
+              <a:ea typeface="+mn-lt"/>
+              <a:cs typeface="+mn-lt"/>
+              <a:sym typeface="+mn-ea"/>
+            </a:endParaRPr>
+          </a:p>
+        </p:txBody>
+      </p:sp>
+      <p:sp>
+        <p:nvSpPr>
+          <p:cNvPr id="13" name="文本框 12"/>
+          <p:cNvSpPr txBox="1"/>
+          <p:nvPr/>
+        </p:nvSpPr>
+        <p:spPr>
+          <a:xfrm>
+            <a:off x="4891994" y="2810747"/>
+            <a:ext cx="1050941" cy="342963"/>
+          </a:xfrm>
+          <a:prstGeom prst="rect">
+            <a:avLst/>
+          </a:prstGeom>
+          <a:noFill/>
+        </p:spPr>
+        <p:txBody>
+          <a:bodyPr wrap="square" rtlCol="0">
+            <a:noAutofit/>
+          </a:bodyPr>
+          <a:lstStyle/>
+          <a:p>
+            <a:r>
+              <a:rPr lang="ja-JP" altLang="en-US" sz="900" dirty="0">
+                <a:ea typeface="+mn-lt"/>
+                <a:cs typeface="+mn-lt"/>
+                <a:sym typeface="+mn-ea"/>
+              </a:rPr>
+              <a:t>影響範囲、整合性の問い合わせ</a:t>
+            </a:r>
+            <a:endParaRPr lang="ja-JP" altLang="zh-CN" sz="900" dirty="0">
+              <a:ea typeface="+mn-lt"/>
+              <a:cs typeface="+mn-lt"/>
+              <a:sym typeface="+mn-ea"/>
+            </a:endParaRPr>
+          </a:p>
+        </p:txBody>
+      </p:sp>
+      <p:sp>
+        <p:nvSpPr>
+          <p:cNvPr id="14" name="右箭头 65"/>
+          <p:cNvSpPr/>
+          <p:nvPr/>
+        </p:nvSpPr>
+        <p:spPr>
+          <a:xfrm rot="10800000">
+            <a:off x="4797750" y="2480596"/>
+            <a:ext cx="1132565" cy="137579"/>
+          </a:xfrm>
+          <a:prstGeom prst="rightArrow">
+            <a:avLst/>
+          </a:prstGeom>
+          <a:solidFill>
+            <a:schemeClr val="accent2"/>
+          </a:solidFill>
+          <a:ln>
+            <a:noFill/>
+          </a:ln>
+        </p:spPr>
+        <p:style>
+          <a:lnRef idx="2">
+            <a:schemeClr val="accent1">
+              <a:shade val="50000"/>
+            </a:schemeClr>
+          </a:lnRef>
+          <a:fillRef idx="1">
+            <a:schemeClr val="accent1"/>
+          </a:fillRef>
+          <a:effectRef idx="0">
+            <a:schemeClr val="accent1"/>
+          </a:effectRef>
+          <a:fontRef idx="minor">
+            <a:schemeClr val="lt1"/>
+          </a:fontRef>
+        </p:style>
+        <p:txBody>
+          <a:bodyPr rtlCol="0" anchor="ctr"/>
+          <a:lstStyle/>
+          <a:p>
+            <a:pPr algn="ctr"/>
+            <a:endParaRPr lang="zh-CN" altLang="en-US" sz="1350">
+              <a:cs typeface="+mn-lt"/>
+            </a:endParaRPr>
+          </a:p>
+        </p:txBody>
+      </p:sp>
+      <p:sp>
+        <p:nvSpPr>
+          <p:cNvPr id="17" name="文本框 16"/>
+          <p:cNvSpPr txBox="1"/>
+          <p:nvPr/>
+        </p:nvSpPr>
+        <p:spPr>
+          <a:xfrm>
+            <a:off x="4861149" y="2150102"/>
+            <a:ext cx="1132565" cy="289170"/>
+          </a:xfrm>
+          <a:prstGeom prst="rect">
+            <a:avLst/>
+          </a:prstGeom>
+          <a:noFill/>
+        </p:spPr>
+        <p:txBody>
+          <a:bodyPr wrap="square" rtlCol="0">
+            <a:noAutofit/>
+          </a:bodyPr>
+          <a:lstStyle>
+            <a:defPPr>
+              <a:defRPr lang="ja-JP"/>
+            </a:defPPr>
+            <a:lvl1pPr>
+              <a:defRPr sz="1200">
+                <a:ea typeface="+mn-lt"/>
+                <a:cs typeface="+mn-lt"/>
+              </a:defRPr>
+            </a:lvl1pPr>
+          </a:lstStyle>
+          <a:p>
+            <a:r>
+              <a:rPr lang="ja-JP" altLang="en-US" sz="900" dirty="0">
+                <a:sym typeface="+mn-ea"/>
+              </a:rPr>
+              <a:t>影響範囲分析・整合性検査結果を返す</a:t>
+            </a:r>
+            <a:endParaRPr lang="ja-JP" altLang="zh-CN" sz="900" dirty="0">
+              <a:sym typeface="+mn-ea"/>
+            </a:endParaRPr>
+          </a:p>
+        </p:txBody>
+      </p:sp>
+      <p:sp>
+        <p:nvSpPr>
+          <p:cNvPr id="18" name="右箭头 51"/>
+          <p:cNvSpPr/>
+          <p:nvPr/>
+        </p:nvSpPr>
+        <p:spPr>
+          <a:xfrm rot="10800000">
+            <a:off x="1803968" y="3676011"/>
+            <a:ext cx="733392" cy="90872"/>
+          </a:xfrm>
+          <a:prstGeom prst="rightArrow">
+            <a:avLst/>
+          </a:prstGeom>
+        </p:spPr>
+        <p:style>
+          <a:lnRef idx="2">
+            <a:schemeClr val="accent1">
+              <a:shade val="50000"/>
+            </a:schemeClr>
+          </a:lnRef>
+          <a:fillRef idx="1">
+            <a:schemeClr val="accent1"/>
+          </a:fillRef>
+          <a:effectRef idx="0">
+            <a:schemeClr val="accent1"/>
+          </a:effectRef>
+          <a:fontRef idx="minor">
+            <a:schemeClr val="lt1"/>
+          </a:fontRef>
+        </p:style>
+        <p:txBody>
+          <a:bodyPr rtlCol="0" anchor="ctr"/>
+          <a:lstStyle/>
+          <a:p>
+            <a:pPr algn="ctr"/>
+            <a:endParaRPr lang="zh-CN" altLang="en-US" sz="1350">
+              <a:cs typeface="+mn-lt"/>
+            </a:endParaRPr>
+          </a:p>
+        </p:txBody>
+      </p:sp>
+      <p:sp>
+        <p:nvSpPr>
+          <p:cNvPr id="19" name="文本框 18"/>
+          <p:cNvSpPr txBox="1"/>
+          <p:nvPr/>
+        </p:nvSpPr>
+        <p:spPr>
+          <a:xfrm>
+            <a:off x="1846880" y="3468262"/>
+            <a:ext cx="889130" cy="229870"/>
+          </a:xfrm>
+          <a:prstGeom prst="rect">
+            <a:avLst/>
+          </a:prstGeom>
+          <a:noFill/>
+        </p:spPr>
+        <p:txBody>
+          <a:bodyPr wrap="square" rtlCol="0">
+            <a:spAutoFit/>
+          </a:bodyPr>
+          <a:lstStyle/>
+          <a:p>
+            <a:pPr algn="l">
+              <a:buClrTx/>
+              <a:buSzTx/>
+              <a:buFontTx/>
+            </a:pPr>
+            <a:r>
+              <a:rPr lang="ja-JP" altLang="en-US" sz="900" dirty="0">
+                <a:ea typeface="+mn-lt"/>
+                <a:cs typeface="+mn-lt"/>
+              </a:rPr>
+              <a:t>結果応答</a:t>
+            </a:r>
+            <a:endParaRPr lang="ja-JP" altLang="zh-CN" sz="900" dirty="0">
+              <a:ea typeface="+mn-lt"/>
+              <a:cs typeface="+mn-lt"/>
+            </a:endParaRPr>
+          </a:p>
+        </p:txBody>
+      </p:sp>
+      <p:sp>
+        <p:nvSpPr>
+          <p:cNvPr id="20" name="右箭头 46"/>
+          <p:cNvSpPr/>
+          <p:nvPr/>
+        </p:nvSpPr>
+        <p:spPr>
+          <a:xfrm rot="16200000">
+            <a:off x="644902" y="2687455"/>
+            <a:ext cx="1109628" cy="109613"/>
+          </a:xfrm>
+          <a:prstGeom prst="rightArrow">
+            <a:avLst/>
+          </a:prstGeom>
+        </p:spPr>
+        <p:style>
+          <a:lnRef idx="2">
+            <a:schemeClr val="accent1">
+              <a:shade val="50000"/>
+            </a:schemeClr>
+          </a:lnRef>
+          <a:fillRef idx="1">
+            <a:schemeClr val="accent1"/>
+          </a:fillRef>
+          <a:effectRef idx="0">
+            <a:schemeClr val="accent1"/>
+          </a:effectRef>
+          <a:fontRef idx="minor">
+            <a:schemeClr val="lt1"/>
+          </a:fontRef>
+        </p:style>
+        <p:txBody>
+          <a:bodyPr rtlCol="0" anchor="ctr"/>
+          <a:lstStyle/>
+          <a:p>
+            <a:pPr algn="ctr"/>
+            <a:endParaRPr lang="zh-CN" altLang="en-US" sz="1350">
+              <a:cs typeface="+mn-lt"/>
+            </a:endParaRPr>
+          </a:p>
+        </p:txBody>
+      </p:sp>
+      <p:sp>
+        <p:nvSpPr>
+          <p:cNvPr id="21" name="文本框 20"/>
+          <p:cNvSpPr txBox="1"/>
+          <p:nvPr/>
+        </p:nvSpPr>
+        <p:spPr>
+          <a:xfrm rot="16200000">
+            <a:off x="815119" y="2689899"/>
+            <a:ext cx="1214656" cy="414020"/>
+          </a:xfrm>
+          <a:prstGeom prst="rect">
+            <a:avLst/>
+          </a:prstGeom>
+          <a:noFill/>
+        </p:spPr>
+        <p:txBody>
+          <a:bodyPr wrap="square" rtlCol="0">
+            <a:spAutoFit/>
+          </a:bodyPr>
+          <a:lstStyle/>
+          <a:p>
+            <a:pPr algn="l">
+              <a:buClrTx/>
+              <a:buSzTx/>
+              <a:buFontTx/>
+            </a:pPr>
+            <a:r>
+              <a:rPr lang="ja-JP" altLang="en-US" sz="1050" dirty="0">
+                <a:ea typeface="+mn-lt"/>
+                <a:cs typeface="+mn-lt"/>
+              </a:rPr>
+              <a:t>　　審査結果表示</a:t>
+            </a:r>
+            <a:endParaRPr lang="ja-JP" altLang="zh-CN" sz="1050" dirty="0">
+              <a:ea typeface="+mn-lt"/>
+              <a:cs typeface="+mn-lt"/>
+            </a:endParaRPr>
+          </a:p>
+        </p:txBody>
+      </p:sp>
+      <p:sp>
+        <p:nvSpPr>
+          <p:cNvPr id="6" name="文本框 5"/>
+          <p:cNvSpPr txBox="1"/>
+          <p:nvPr/>
+        </p:nvSpPr>
+        <p:spPr>
+          <a:xfrm>
+            <a:off x="843728" y="4187243"/>
+            <a:ext cx="1053113" cy="229870"/>
+          </a:xfrm>
+          <a:prstGeom prst="rect">
+            <a:avLst/>
+          </a:prstGeom>
+          <a:noFill/>
+        </p:spPr>
+        <p:txBody>
+          <a:bodyPr wrap="square" rtlCol="0">
+            <a:spAutoFit/>
+          </a:bodyPr>
+          <a:lstStyle/>
+          <a:p>
+            <a:r>
+              <a:rPr lang="en-US" altLang="zh-CN" sz="900" dirty="0">
+                <a:ea typeface="Meiryo UI" panose="020B0604030504040204" charset="-128"/>
+                <a:cs typeface="+mn-lt"/>
+              </a:rPr>
+              <a:t>Code</a:t>
+            </a:r>
+            <a:r>
+              <a:rPr lang="ja-JP" altLang="en-US" sz="900" dirty="0">
+                <a:ea typeface="Meiryo UI" panose="020B0604030504040204" charset="-128"/>
+                <a:cs typeface="+mn-lt"/>
+              </a:rPr>
+              <a:t>　</a:t>
+            </a:r>
+            <a:r>
+              <a:rPr lang="en-US" altLang="ja-JP" sz="900" dirty="0">
+                <a:ea typeface="Meiryo UI" panose="020B0604030504040204" charset="-128"/>
+                <a:cs typeface="+mn-lt"/>
+              </a:rPr>
+              <a:t>Library</a:t>
+            </a:r>
+            <a:endParaRPr lang="en-US" altLang="zh-CN" sz="900" dirty="0">
+              <a:ea typeface="Meiryo UI" panose="020B0604030504040204" charset="-128"/>
+              <a:cs typeface="+mn-lt"/>
+            </a:endParaRPr>
+          </a:p>
+        </p:txBody>
+      </p:sp>
+      <p:sp>
+        <p:nvSpPr>
+          <p:cNvPr id="16" name="矩形 15"/>
+          <p:cNvSpPr/>
+          <p:nvPr/>
+        </p:nvSpPr>
+        <p:spPr>
+          <a:xfrm>
+            <a:off x="2859938" y="4064078"/>
+            <a:ext cx="1607287" cy="301432"/>
+          </a:xfrm>
+          <a:prstGeom prst="rect">
+            <a:avLst/>
+          </a:prstGeom>
+          <a:solidFill>
+            <a:schemeClr val="accent5">
+              <a:lumMod val="20000"/>
+              <a:lumOff val="80000"/>
+            </a:schemeClr>
+          </a:solidFill>
+        </p:spPr>
+        <p:style>
+          <a:lnRef idx="2">
+            <a:schemeClr val="accent1">
+              <a:shade val="50000"/>
+            </a:schemeClr>
+          </a:lnRef>
+          <a:fillRef idx="1">
+            <a:schemeClr val="accent1"/>
+          </a:fillRef>
+          <a:effectRef idx="0">
+            <a:schemeClr val="accent1"/>
+          </a:effectRef>
+          <a:fontRef idx="minor">
+            <a:schemeClr val="lt1"/>
+          </a:fontRef>
+        </p:style>
+        <p:txBody>
+          <a:bodyPr rtlCol="0" anchor="ctr"/>
+          <a:lstStyle/>
+          <a:p>
+            <a:pPr algn="ctr"/>
+            <a:r>
+              <a:rPr lang="ja-JP" altLang="en-US" sz="900" dirty="0">
+                <a:solidFill>
+                  <a:schemeClr val="tx1"/>
+                </a:solidFill>
+              </a:rPr>
+              <a:t>コード解析</a:t>
+            </a:r>
+            <a:endParaRPr lang="zh-CN" altLang="en-US" sz="900" dirty="0">
+              <a:solidFill>
+                <a:schemeClr val="tx1"/>
+              </a:solidFill>
+            </a:endParaRPr>
+          </a:p>
+        </p:txBody>
+      </p:sp>
+      <p:sp>
+        <p:nvSpPr>
+          <p:cNvPr id="23" name="矩形 22"/>
+          <p:cNvSpPr/>
+          <p:nvPr/>
+        </p:nvSpPr>
+        <p:spPr>
+          <a:xfrm>
+            <a:off x="2859938" y="3691659"/>
+            <a:ext cx="1607287" cy="261166"/>
+          </a:xfrm>
+          <a:prstGeom prst="rect">
+            <a:avLst/>
+          </a:prstGeom>
+          <a:solidFill>
+            <a:schemeClr val="accent5">
+              <a:lumMod val="20000"/>
+              <a:lumOff val="80000"/>
+            </a:schemeClr>
+          </a:solidFill>
+        </p:spPr>
+        <p:style>
+          <a:lnRef idx="2">
+            <a:schemeClr val="accent1">
+              <a:shade val="50000"/>
+            </a:schemeClr>
+          </a:lnRef>
+          <a:fillRef idx="1">
+            <a:schemeClr val="accent1"/>
+          </a:fillRef>
+          <a:effectRef idx="0">
+            <a:schemeClr val="accent1"/>
+          </a:effectRef>
+          <a:fontRef idx="minor">
+            <a:schemeClr val="lt1"/>
+          </a:fontRef>
+        </p:style>
+        <p:txBody>
+          <a:bodyPr rtlCol="0" anchor="ctr"/>
+          <a:lstStyle/>
+          <a:p>
+            <a:pPr algn="ctr"/>
+            <a:r>
+              <a:rPr lang="ja-JP" altLang="en-US" sz="900" dirty="0">
+                <a:solidFill>
+                  <a:schemeClr val="tx1"/>
+                </a:solidFill>
+              </a:rPr>
+              <a:t>関連性検索</a:t>
+            </a:r>
+            <a:endParaRPr lang="zh-CN" altLang="en-US" sz="900" dirty="0">
+              <a:solidFill>
+                <a:schemeClr val="tx1"/>
+              </a:solidFill>
+            </a:endParaRPr>
+          </a:p>
+        </p:txBody>
+      </p:sp>
+      <p:sp>
+        <p:nvSpPr>
+          <p:cNvPr id="25" name="右箭头 53"/>
+          <p:cNvSpPr/>
+          <p:nvPr/>
+        </p:nvSpPr>
+        <p:spPr>
+          <a:xfrm rot="10800000">
+            <a:off x="4850407" y="3812428"/>
+            <a:ext cx="1386490" cy="110970"/>
+          </a:xfrm>
+          <a:prstGeom prst="rightArrow">
+            <a:avLst/>
+          </a:prstGeom>
+          <a:solidFill>
+            <a:schemeClr val="accent2"/>
+          </a:solidFill>
+          <a:ln>
+            <a:noFill/>
+          </a:ln>
+        </p:spPr>
+        <p:style>
+          <a:lnRef idx="2">
+            <a:schemeClr val="accent1">
+              <a:shade val="50000"/>
+            </a:schemeClr>
+          </a:lnRef>
+          <a:fillRef idx="1">
+            <a:schemeClr val="accent1"/>
+          </a:fillRef>
+          <a:effectRef idx="0">
+            <a:schemeClr val="accent1"/>
+          </a:effectRef>
+          <a:fontRef idx="minor">
+            <a:schemeClr val="lt1"/>
+          </a:fontRef>
+        </p:style>
+        <p:txBody>
+          <a:bodyPr rtlCol="0" anchor="ctr"/>
+          <a:lstStyle/>
+          <a:p>
+            <a:pPr algn="ctr"/>
+            <a:endParaRPr lang="zh-CN" altLang="en-US" sz="1350">
+              <a:cs typeface="+mn-lt"/>
+            </a:endParaRPr>
+          </a:p>
+        </p:txBody>
+      </p:sp>
+      <p:sp>
+        <p:nvSpPr>
+          <p:cNvPr id="26" name="文本框 25"/>
+          <p:cNvSpPr txBox="1"/>
+          <p:nvPr/>
+        </p:nvSpPr>
+        <p:spPr>
+          <a:xfrm>
+            <a:off x="5129643" y="3623234"/>
+            <a:ext cx="1139666" cy="278476"/>
+          </a:xfrm>
+          <a:prstGeom prst="rect">
+            <a:avLst/>
+          </a:prstGeom>
+          <a:noFill/>
+        </p:spPr>
+        <p:txBody>
+          <a:bodyPr wrap="square" rtlCol="0">
+            <a:noAutofit/>
+          </a:bodyPr>
+          <a:lstStyle/>
+          <a:p>
+            <a:r>
+              <a:rPr lang="ja-JP" altLang="en-US" sz="900" dirty="0">
+                <a:ea typeface="+mn-lt"/>
+                <a:cs typeface="+mn-lt"/>
+                <a:sym typeface="+mn-ea"/>
+              </a:rPr>
+              <a:t>ナレッジ検索</a:t>
+            </a:r>
+            <a:endParaRPr lang="ja-JP" altLang="zh-CN" sz="900" dirty="0">
+              <a:ea typeface="+mn-lt"/>
+              <a:cs typeface="+mn-lt"/>
+              <a:sym typeface="+mn-ea"/>
+            </a:endParaRPr>
+          </a:p>
+        </p:txBody>
+      </p:sp>
+      <p:sp>
+        <p:nvSpPr>
+          <p:cNvPr id="28" name="矩形 27"/>
+          <p:cNvSpPr/>
+          <p:nvPr/>
+        </p:nvSpPr>
+        <p:spPr>
+          <a:xfrm>
+            <a:off x="2838846" y="3024916"/>
+            <a:ext cx="1607287" cy="261166"/>
+          </a:xfrm>
+          <a:prstGeom prst="rect">
+            <a:avLst/>
+          </a:prstGeom>
+          <a:solidFill>
+            <a:schemeClr val="accent5">
+              <a:lumMod val="20000"/>
+              <a:lumOff val="80000"/>
+            </a:schemeClr>
+          </a:solidFill>
+        </p:spPr>
+        <p:style>
+          <a:lnRef idx="2">
+            <a:schemeClr val="accent1">
+              <a:shade val="50000"/>
+            </a:schemeClr>
+          </a:lnRef>
+          <a:fillRef idx="1">
+            <a:schemeClr val="accent1"/>
+          </a:fillRef>
+          <a:effectRef idx="0">
+            <a:schemeClr val="accent1"/>
+          </a:effectRef>
+          <a:fontRef idx="minor">
+            <a:schemeClr val="lt1"/>
+          </a:fontRef>
+        </p:style>
+        <p:txBody>
+          <a:bodyPr rtlCol="0" anchor="ctr"/>
+          <a:lstStyle/>
+          <a:p>
+            <a:pPr algn="ctr"/>
+            <a:r>
+              <a:rPr lang="ja-JP" altLang="en-US" sz="900" dirty="0">
+                <a:solidFill>
+                  <a:schemeClr val="tx1"/>
+                </a:solidFill>
+              </a:rPr>
+              <a:t>影響範囲分析</a:t>
+            </a:r>
+            <a:endParaRPr lang="zh-CN" altLang="en-US" sz="900" dirty="0">
+              <a:solidFill>
+                <a:schemeClr val="tx1"/>
+              </a:solidFill>
+            </a:endParaRPr>
+          </a:p>
+        </p:txBody>
+      </p:sp>
+      <p:sp>
+        <p:nvSpPr>
+          <p:cNvPr id="31" name="矩形 30"/>
+          <p:cNvSpPr/>
+          <p:nvPr/>
+        </p:nvSpPr>
+        <p:spPr>
+          <a:xfrm>
+            <a:off x="2838846" y="2688120"/>
+            <a:ext cx="1607287" cy="261166"/>
+          </a:xfrm>
+          <a:prstGeom prst="rect">
+            <a:avLst/>
+          </a:prstGeom>
+          <a:solidFill>
+            <a:schemeClr val="accent5">
+              <a:lumMod val="20000"/>
+              <a:lumOff val="80000"/>
+            </a:schemeClr>
+          </a:solidFill>
+        </p:spPr>
+        <p:style>
+          <a:lnRef idx="2">
+            <a:schemeClr val="accent1">
+              <a:shade val="50000"/>
+            </a:schemeClr>
+          </a:lnRef>
+          <a:fillRef idx="1">
+            <a:schemeClr val="accent1"/>
+          </a:fillRef>
+          <a:effectRef idx="0">
+            <a:schemeClr val="accent1"/>
+          </a:effectRef>
+          <a:fontRef idx="minor">
+            <a:schemeClr val="lt1"/>
+          </a:fontRef>
+        </p:style>
+        <p:txBody>
+          <a:bodyPr rtlCol="0" anchor="ctr"/>
+          <a:lstStyle/>
+          <a:p>
+            <a:pPr algn="ctr"/>
+            <a:r>
+              <a:rPr lang="ja-JP" altLang="en-US" sz="900" dirty="0">
+                <a:solidFill>
+                  <a:schemeClr val="tx1"/>
+                </a:solidFill>
+              </a:rPr>
+              <a:t>整合性検査</a:t>
+            </a:r>
+            <a:endParaRPr lang="zh-CN" altLang="en-US" sz="900" dirty="0">
+              <a:solidFill>
+                <a:schemeClr val="tx1"/>
+              </a:solidFill>
+            </a:endParaRPr>
+          </a:p>
+        </p:txBody>
+      </p:sp>
+      <p:sp>
+        <p:nvSpPr>
+          <p:cNvPr id="32" name="矩形 31"/>
+          <p:cNvSpPr/>
+          <p:nvPr/>
+        </p:nvSpPr>
+        <p:spPr>
+          <a:xfrm>
+            <a:off x="2844697" y="2350013"/>
+            <a:ext cx="1607287" cy="261166"/>
+          </a:xfrm>
+          <a:prstGeom prst="rect">
+            <a:avLst/>
+          </a:prstGeom>
+          <a:solidFill>
+            <a:schemeClr val="accent5">
+              <a:lumMod val="20000"/>
+              <a:lumOff val="80000"/>
+            </a:schemeClr>
+          </a:solidFill>
+        </p:spPr>
+        <p:style>
+          <a:lnRef idx="2">
+            <a:schemeClr val="accent1">
+              <a:shade val="50000"/>
+            </a:schemeClr>
+          </a:lnRef>
+          <a:fillRef idx="1">
+            <a:schemeClr val="accent1"/>
+          </a:fillRef>
+          <a:effectRef idx="0">
+            <a:schemeClr val="accent1"/>
+          </a:effectRef>
+          <a:fontRef idx="minor">
+            <a:schemeClr val="lt1"/>
+          </a:fontRef>
+        </p:style>
+        <p:txBody>
+          <a:bodyPr rtlCol="0" anchor="ctr"/>
+          <a:lstStyle/>
+          <a:p>
+            <a:pPr algn="ctr"/>
+            <a:r>
+              <a:rPr lang="ja-JP" altLang="en-US" sz="900" dirty="0">
+                <a:solidFill>
+                  <a:schemeClr val="tx1"/>
+                </a:solidFill>
+              </a:rPr>
+              <a:t>分析・検査結果の統合</a:t>
+            </a:r>
+            <a:endParaRPr lang="zh-CN" altLang="en-US" sz="900" dirty="0">
+              <a:solidFill>
+                <a:schemeClr val="tx1"/>
+              </a:solidFill>
+            </a:endParaRPr>
+          </a:p>
+        </p:txBody>
+      </p:sp>
+      <p:sp>
+        <p:nvSpPr>
+          <p:cNvPr id="33" name="右箭头 53"/>
+          <p:cNvSpPr/>
+          <p:nvPr/>
+        </p:nvSpPr>
+        <p:spPr>
+          <a:xfrm>
+            <a:off x="4820257" y="3129089"/>
+            <a:ext cx="1132565" cy="122328"/>
+          </a:xfrm>
+          <a:prstGeom prst="rightArrow">
+            <a:avLst/>
+          </a:prstGeom>
+          <a:solidFill>
+            <a:schemeClr val="accent2"/>
+          </a:solidFill>
+          <a:ln>
+            <a:noFill/>
+          </a:ln>
+        </p:spPr>
+        <p:style>
+          <a:lnRef idx="2">
+            <a:schemeClr val="accent1">
+              <a:shade val="50000"/>
+            </a:schemeClr>
+          </a:lnRef>
+          <a:fillRef idx="1">
+            <a:schemeClr val="accent1"/>
+          </a:fillRef>
+          <a:effectRef idx="0">
+            <a:schemeClr val="accent1"/>
+          </a:effectRef>
+          <a:fontRef idx="minor">
+            <a:schemeClr val="lt1"/>
+          </a:fontRef>
+        </p:style>
+        <p:txBody>
+          <a:bodyPr rtlCol="0" anchor="ctr"/>
+          <a:lstStyle/>
+          <a:p>
+            <a:pPr algn="ctr"/>
+            <a:endParaRPr lang="zh-CN" altLang="en-US" sz="1350">
+              <a:cs typeface="+mn-lt"/>
             </a:endParaRPr>
           </a:p>
         </p:txBody>
@@ -3943,4 +7083,263 @@
     </a:ext>
   </a:extLst>
 </a:theme>
+</file>
+
+<file path=ppt/theme/theme2.xml><?xml version="1.0" encoding="utf-8"?>
+<a:theme xmlns:a="http://schemas.openxmlformats.org/drawingml/2006/main" name="Office 主题">
+  <a:themeElements>
+    <a:clrScheme name="Office">
+      <a:dk1>
+        <a:sysClr val="windowText" lastClr="000000"/>
+      </a:dk1>
+      <a:lt1>
+        <a:sysClr val="window" lastClr="FFFFFF"/>
+      </a:lt1>
+      <a:dk2>
+        <a:srgbClr val="44546A"/>
+      </a:dk2>
+      <a:lt2>
+        <a:srgbClr val="E7E6E6"/>
+      </a:lt2>
+      <a:accent1>
+        <a:srgbClr val="5B9BD5"/>
+      </a:accent1>
+      <a:accent2>
+        <a:srgbClr val="ED7D31"/>
+      </a:accent2>
+      <a:accent3>
+        <a:srgbClr val="A5A5A5"/>
+      </a:accent3>
+      <a:accent4>
+        <a:srgbClr val="FFC000"/>
+      </a:accent4>
+      <a:accent5>
+        <a:srgbClr val="4472C4"/>
+      </a:accent5>
+      <a:accent6>
+        <a:srgbClr val="70AD47"/>
+      </a:accent6>
+      <a:hlink>
+        <a:srgbClr val="0563C1"/>
+      </a:hlink>
+      <a:folHlink>
+        <a:srgbClr val="954F72"/>
+      </a:folHlink>
+    </a:clrScheme>
+    <a:fontScheme name="Office">
+      <a:majorFont>
+        <a:latin typeface="Calibri Light"/>
+        <a:ea typeface=""/>
+        <a:cs typeface=""/>
+        <a:font script="Jpan" typeface="ＭＳ Ｐゴシック"/>
+        <a:font script="Hang" typeface="맑은 고딕"/>
+        <a:font script="Hans" typeface="宋体"/>
+        <a:font script="Hant" typeface="新細明體"/>
+        <a:font script="Arab" typeface="Times New Roman"/>
+        <a:font script="Hebr" typeface="Times New Roman"/>
+        <a:font script="Thai" typeface="Angsana New"/>
+        <a:font script="Ethi" typeface="Nyala"/>
+        <a:font script="Beng" typeface="Vrinda"/>
+        <a:font script="Gujr" typeface="Shruti"/>
+        <a:font script="Khmr" typeface="MoolBoran"/>
+        <a:font script="Knda" typeface="Tunga"/>
+        <a:font script="Guru" typeface="Raavi"/>
+        <a:font script="Cans" typeface="Euphemia"/>
+        <a:font script="Cher" typeface="Plantagenet Cherokee"/>
+        <a:font script="Yiii" typeface="Microsoft Yi Baiti"/>
+        <a:font script="Tibt" typeface="Microsoft Himalaya"/>
+        <a:font script="Thaa" typeface="MV Boli"/>
+        <a:font script="Deva" typeface="Mangal"/>
+        <a:font script="Telu" typeface="Gautami"/>
+        <a:font script="Taml" typeface="Latha"/>
+        <a:font script="Syrc" typeface="Estrangelo Edessa"/>
+        <a:font script="Orya" typeface="Kalinga"/>
+        <a:font script="Mlym" typeface="Kartika"/>
+        <a:font script="Laoo" typeface="DokChampa"/>
+        <a:font script="Sinh" typeface="Iskoola Pota"/>
+        <a:font script="Mong" typeface="Mongolian Baiti"/>
+        <a:font script="Viet" typeface="Times New Roman"/>
+        <a:font script="Uigh" typeface="Microsoft Uighur"/>
+        <a:font script="Geor" typeface="Sylfaen"/>
+      </a:majorFont>
+      <a:minorFont>
+        <a:latin typeface="Calibri"/>
+        <a:ea typeface=""/>
+        <a:cs typeface=""/>
+        <a:font script="Jpan" typeface="ＭＳ Ｐゴシック"/>
+        <a:font script="Hang" typeface="맑은 고딕"/>
+        <a:font script="Hans" typeface="宋体"/>
+        <a:font script="Hant" typeface="新細明體"/>
+        <a:font script="Arab" typeface="Arial"/>
+        <a:font script="Hebr" typeface="Arial"/>
+        <a:font script="Thai" typeface="Cordia New"/>
+        <a:font script="Ethi" typeface="Nyala"/>
+        <a:font script="Beng" typeface="Vrinda"/>
+        <a:font script="Gujr" typeface="Shruti"/>
+        <a:font script="Khmr" typeface="DaunPenh"/>
+        <a:font script="Knda" typeface="Tunga"/>
+        <a:font script="Guru" typeface="Raavi"/>
+        <a:font script="Cans" typeface="Euphemia"/>
+        <a:font script="Cher" typeface="Plantagenet Cherokee"/>
+        <a:font script="Yiii" typeface="Microsoft Yi Baiti"/>
+        <a:font script="Tibt" typeface="Microsoft Himalaya"/>
+        <a:font script="Thaa" typeface="MV Boli"/>
+        <a:font script="Deva" typeface="Mangal"/>
+        <a:font script="Telu" typeface="Gautami"/>
+        <a:font script="Taml" typeface="Latha"/>
+        <a:font script="Syrc" typeface="Estrangelo Edessa"/>
+        <a:font script="Orya" typeface="Kalinga"/>
+        <a:font script="Mlym" typeface="Kartika"/>
+        <a:font script="Laoo" typeface="DokChampa"/>
+        <a:font script="Sinh" typeface="Iskoola Pota"/>
+        <a:font script="Mong" typeface="Mongolian Baiti"/>
+        <a:font script="Viet" typeface="Arial"/>
+        <a:font script="Uigh" typeface="Microsoft Uighur"/>
+        <a:font script="Geor" typeface="Sylfaen"/>
+      </a:minorFont>
+    </a:fontScheme>
+    <a:fmtScheme name="Office">
+      <a:fillStyleLst>
+        <a:solidFill>
+          <a:schemeClr val="phClr"/>
+        </a:solidFill>
+        <a:gradFill rotWithShape="1">
+          <a:gsLst>
+            <a:gs pos="0">
+              <a:schemeClr val="phClr">
+                <a:lumMod val="110000"/>
+                <a:satMod val="105000"/>
+                <a:tint val="67000"/>
+              </a:schemeClr>
+            </a:gs>
+            <a:gs pos="50000">
+              <a:schemeClr val="phClr">
+                <a:lumMod val="105000"/>
+                <a:satMod val="103000"/>
+                <a:tint val="73000"/>
+              </a:schemeClr>
+            </a:gs>
+            <a:gs pos="100000">
+              <a:schemeClr val="phClr">
+                <a:lumMod val="105000"/>
+                <a:satMod val="109000"/>
+                <a:tint val="81000"/>
+              </a:schemeClr>
+            </a:gs>
+          </a:gsLst>
+          <a:lin ang="5400000" scaled="0"/>
+        </a:gradFill>
+        <a:gradFill rotWithShape="1">
+          <a:gsLst>
+            <a:gs pos="0">
+              <a:schemeClr val="phClr">
+                <a:satMod val="103000"/>
+                <a:lumMod val="102000"/>
+                <a:tint val="94000"/>
+              </a:schemeClr>
+            </a:gs>
+            <a:gs pos="50000">
+              <a:schemeClr val="phClr">
+                <a:satMod val="110000"/>
+                <a:lumMod val="100000"/>
+                <a:shade val="100000"/>
+              </a:schemeClr>
+            </a:gs>
+            <a:gs pos="100000">
+              <a:schemeClr val="phClr">
+                <a:lumMod val="99000"/>
+                <a:satMod val="120000"/>
+                <a:shade val="78000"/>
+              </a:schemeClr>
+            </a:gs>
+          </a:gsLst>
+          <a:lin ang="5400000" scaled="0"/>
+        </a:gradFill>
+      </a:fillStyleLst>
+      <a:lnStyleLst>
+        <a:ln w="6350" cap="flat" cmpd="sng" algn="ctr">
+          <a:solidFill>
+            <a:schemeClr val="phClr"/>
+          </a:solidFill>
+          <a:prstDash val="solid"/>
+          <a:miter lim="800000"/>
+        </a:ln>
+        <a:ln w="12700" cap="flat" cmpd="sng" algn="ctr">
+          <a:solidFill>
+            <a:schemeClr val="phClr"/>
+          </a:solidFill>
+          <a:prstDash val="solid"/>
+          <a:miter lim="800000"/>
+        </a:ln>
+        <a:ln w="19050" cap="flat" cmpd="sng" algn="ctr">
+          <a:solidFill>
+            <a:schemeClr val="phClr"/>
+          </a:solidFill>
+          <a:prstDash val="solid"/>
+          <a:miter lim="800000"/>
+        </a:ln>
+      </a:lnStyleLst>
+      <a:effectStyleLst>
+        <a:effectStyle>
+          <a:effectLst/>
+        </a:effectStyle>
+        <a:effectStyle>
+          <a:effectLst/>
+        </a:effectStyle>
+        <a:effectStyle>
+          <a:effectLst>
+            <a:outerShdw blurRad="57150" dist="19050" dir="5400000" algn="ctr" rotWithShape="0">
+              <a:srgbClr val="000000">
+                <a:alpha val="63000"/>
+              </a:srgbClr>
+            </a:outerShdw>
+          </a:effectLst>
+        </a:effectStyle>
+      </a:effectStyleLst>
+      <a:bgFillStyleLst>
+        <a:solidFill>
+          <a:schemeClr val="phClr"/>
+        </a:solidFill>
+        <a:solidFill>
+          <a:schemeClr val="phClr">
+            <a:tint val="95000"/>
+            <a:satMod val="170000"/>
+          </a:schemeClr>
+        </a:solidFill>
+        <a:gradFill rotWithShape="1">
+          <a:gsLst>
+            <a:gs pos="0">
+              <a:schemeClr val="phClr">
+                <a:tint val="93000"/>
+                <a:satMod val="150000"/>
+                <a:shade val="98000"/>
+                <a:lumMod val="102000"/>
+              </a:schemeClr>
+            </a:gs>
+            <a:gs pos="50000">
+              <a:schemeClr val="phClr">
+                <a:tint val="98000"/>
+                <a:satMod val="130000"/>
+                <a:shade val="90000"/>
+                <a:lumMod val="103000"/>
+              </a:schemeClr>
+            </a:gs>
+            <a:gs pos="100000">
+              <a:schemeClr val="phClr">
+                <a:shade val="63000"/>
+                <a:satMod val="120000"/>
+              </a:schemeClr>
+            </a:gs>
+          </a:gsLst>
+          <a:lin ang="5400000" scaled="0"/>
+        </a:gradFill>
+      </a:bgFillStyleLst>
+    </a:fmtScheme>
+  </a:themeElements>
+  <a:extLst>
+    <a:ext uri="{05A4C25C-085E-4340-85A3-A5531E510DB2}">
+      <thm15:themeFamily xmlns:thm15="http://schemas.microsoft.com/office/thememl/2012/main" name="Office Theme" id="{62F939B6-93AF-4DB8-9C6B-D6C7DFDC589F}" vid="{4A3C46E8-61CC-4603-A589-7422A47A8E4A}"/>
+    </a:ext>
+  </a:extLst>
+</a:theme>
 </file>